--- a/Flussdiagramm.pptx
+++ b/Flussdiagramm.pptx
@@ -6,6 +6,7 @@
   </p:sldMasterIdLst>
   <p:sldIdLst>
     <p:sldId id="256" r:id="rId2"/>
+    <p:sldId id="257" r:id="rId3"/>
   </p:sldIdLst>
   <p:sldSz cx="6858000" cy="12192000"/>
   <p:notesSz cx="6858000" cy="9144000"/>
@@ -243,7 +244,7 @@
           <a:p>
             <a:fld id="{60410085-94CB-479C-9EE7-DAEBC3DA6A28}" type="datetimeFigureOut">
               <a:rPr lang="de-DE" smtClean="0"/>
-              <a:t>12.07.2021</a:t>
+              <a:t>13.07.2021</a:t>
             </a:fld>
             <a:endParaRPr lang="de-DE"/>
           </a:p>
@@ -413,7 +414,7 @@
           <a:p>
             <a:fld id="{60410085-94CB-479C-9EE7-DAEBC3DA6A28}" type="datetimeFigureOut">
               <a:rPr lang="de-DE" smtClean="0"/>
-              <a:t>12.07.2021</a:t>
+              <a:t>13.07.2021</a:t>
             </a:fld>
             <a:endParaRPr lang="de-DE"/>
           </a:p>
@@ -593,7 +594,7 @@
           <a:p>
             <a:fld id="{60410085-94CB-479C-9EE7-DAEBC3DA6A28}" type="datetimeFigureOut">
               <a:rPr lang="de-DE" smtClean="0"/>
-              <a:t>12.07.2021</a:t>
+              <a:t>13.07.2021</a:t>
             </a:fld>
             <a:endParaRPr lang="de-DE"/>
           </a:p>
@@ -763,7 +764,7 @@
           <a:p>
             <a:fld id="{60410085-94CB-479C-9EE7-DAEBC3DA6A28}" type="datetimeFigureOut">
               <a:rPr lang="de-DE" smtClean="0"/>
-              <a:t>12.07.2021</a:t>
+              <a:t>13.07.2021</a:t>
             </a:fld>
             <a:endParaRPr lang="de-DE"/>
           </a:p>
@@ -1007,7 +1008,7 @@
           <a:p>
             <a:fld id="{60410085-94CB-479C-9EE7-DAEBC3DA6A28}" type="datetimeFigureOut">
               <a:rPr lang="de-DE" smtClean="0"/>
-              <a:t>12.07.2021</a:t>
+              <a:t>13.07.2021</a:t>
             </a:fld>
             <a:endParaRPr lang="de-DE"/>
           </a:p>
@@ -1239,7 +1240,7 @@
           <a:p>
             <a:fld id="{60410085-94CB-479C-9EE7-DAEBC3DA6A28}" type="datetimeFigureOut">
               <a:rPr lang="de-DE" smtClean="0"/>
-              <a:t>12.07.2021</a:t>
+              <a:t>13.07.2021</a:t>
             </a:fld>
             <a:endParaRPr lang="de-DE"/>
           </a:p>
@@ -1606,7 +1607,7 @@
           <a:p>
             <a:fld id="{60410085-94CB-479C-9EE7-DAEBC3DA6A28}" type="datetimeFigureOut">
               <a:rPr lang="de-DE" smtClean="0"/>
-              <a:t>12.07.2021</a:t>
+              <a:t>13.07.2021</a:t>
             </a:fld>
             <a:endParaRPr lang="de-DE"/>
           </a:p>
@@ -1724,7 +1725,7 @@
           <a:p>
             <a:fld id="{60410085-94CB-479C-9EE7-DAEBC3DA6A28}" type="datetimeFigureOut">
               <a:rPr lang="de-DE" smtClean="0"/>
-              <a:t>12.07.2021</a:t>
+              <a:t>13.07.2021</a:t>
             </a:fld>
             <a:endParaRPr lang="de-DE"/>
           </a:p>
@@ -1819,7 +1820,7 @@
           <a:p>
             <a:fld id="{60410085-94CB-479C-9EE7-DAEBC3DA6A28}" type="datetimeFigureOut">
               <a:rPr lang="de-DE" smtClean="0"/>
-              <a:t>12.07.2021</a:t>
+              <a:t>13.07.2021</a:t>
             </a:fld>
             <a:endParaRPr lang="de-DE"/>
           </a:p>
@@ -2096,7 +2097,7 @@
           <a:p>
             <a:fld id="{60410085-94CB-479C-9EE7-DAEBC3DA6A28}" type="datetimeFigureOut">
               <a:rPr lang="de-DE" smtClean="0"/>
-              <a:t>12.07.2021</a:t>
+              <a:t>13.07.2021</a:t>
             </a:fld>
             <a:endParaRPr lang="de-DE"/>
           </a:p>
@@ -2353,7 +2354,7 @@
           <a:p>
             <a:fld id="{60410085-94CB-479C-9EE7-DAEBC3DA6A28}" type="datetimeFigureOut">
               <a:rPr lang="de-DE" smtClean="0"/>
-              <a:t>12.07.2021</a:t>
+              <a:t>13.07.2021</a:t>
             </a:fld>
             <a:endParaRPr lang="de-DE"/>
           </a:p>
@@ -2566,7 +2567,7 @@
           <a:p>
             <a:fld id="{60410085-94CB-479C-9EE7-DAEBC3DA6A28}" type="datetimeFigureOut">
               <a:rPr lang="de-DE" smtClean="0"/>
-              <a:t>12.07.2021</a:t>
+              <a:t>13.07.2021</a:t>
             </a:fld>
             <a:endParaRPr lang="de-DE"/>
           </a:p>
@@ -3032,7 +3033,7 @@
         </p:nvSpPr>
         <p:spPr>
           <a:xfrm>
-            <a:off x="748190" y="1412240"/>
+            <a:off x="748190" y="1259840"/>
             <a:ext cx="914400" cy="492760"/>
           </a:xfrm>
           <a:prstGeom prst="flowChartProcess">
@@ -3079,7 +3080,7 @@
         </p:nvSpPr>
         <p:spPr>
           <a:xfrm>
-            <a:off x="701200" y="2303780"/>
+            <a:off x="4644230" y="2424682"/>
             <a:ext cx="1008380" cy="492760"/>
           </a:xfrm>
           <a:prstGeom prst="flowChartAlternateProcess">
@@ -3107,7 +3108,7 @@
             <a:pPr algn="ctr"/>
             <a:r>
               <a:rPr lang="de-DE" sz="600" dirty="0"/>
-              <a:t>Soziodemographischer Fragebogen</a:t>
+              <a:t>Beurteilungsfragebogen</a:t>
             </a:r>
           </a:p>
         </p:txBody>
@@ -3126,8 +3127,8 @@
         </p:nvSpPr>
         <p:spPr>
           <a:xfrm>
-            <a:off x="748190" y="3195320"/>
-            <a:ext cx="914400" cy="924560"/>
+            <a:off x="724693" y="2735579"/>
+            <a:ext cx="961390" cy="924560"/>
           </a:xfrm>
           <a:prstGeom prst="flowChartConnector">
             <a:avLst/>
@@ -3173,8 +3174,8 @@
         </p:nvSpPr>
         <p:spPr>
           <a:xfrm>
-            <a:off x="748190" y="4518660"/>
-            <a:ext cx="914400" cy="924560"/>
+            <a:off x="724693" y="3903978"/>
+            <a:ext cx="961390" cy="924560"/>
           </a:xfrm>
           <a:prstGeom prst="flowChartConnector">
             <a:avLst/>
@@ -3227,7 +3228,7 @@
         </p:nvSpPr>
         <p:spPr>
           <a:xfrm>
-            <a:off x="3855880" y="520700"/>
+            <a:off x="3800316" y="517144"/>
             <a:ext cx="1008380" cy="492760"/>
           </a:xfrm>
           <a:prstGeom prst="flowChartAlternateProcess">
@@ -3274,7 +3275,7 @@
         </p:nvSpPr>
         <p:spPr>
           <a:xfrm>
-            <a:off x="2941480" y="1625600"/>
+            <a:off x="3122455" y="1253745"/>
             <a:ext cx="914400" cy="924560"/>
           </a:xfrm>
           <a:prstGeom prst="flowChartConnector">
@@ -3302,6 +3303,959 @@
             <a:pPr algn="ctr"/>
             <a:r>
               <a:rPr lang="de-DE" sz="600" dirty="0"/>
+              <a:t>A - Malus</a:t>
+            </a:r>
+          </a:p>
+        </p:txBody>
+      </p:sp>
+      <p:cxnSp>
+        <p:nvCxnSpPr>
+          <p:cNvPr id="5" name="Verbinder: gewinkelt 4">
+            <a:extLst>
+              <a:ext uri="{FF2B5EF4-FFF2-40B4-BE49-F238E27FC236}">
+                <a16:creationId xmlns:a16="http://schemas.microsoft.com/office/drawing/2014/main" id="{57C8A44D-BAA4-422F-AF92-657A92B8B902}"/>
+              </a:ext>
+            </a:extLst>
+          </p:cNvPr>
+          <p:cNvCxnSpPr>
+            <a:cxnSpLocks/>
+            <a:stCxn id="17" idx="4"/>
+            <a:endCxn id="18" idx="0"/>
+          </p:cNvCxnSpPr>
+          <p:nvPr/>
+        </p:nvCxnSpPr>
+        <p:spPr>
+          <a:xfrm rot="5400000" flipH="1" flipV="1">
+            <a:off x="599250" y="1123282"/>
+            <a:ext cx="4311394" cy="3099118"/>
+          </a:xfrm>
+          <a:prstGeom prst="bentConnector5">
+            <a:avLst>
+              <a:gd name="adj1" fmla="val -5302"/>
+              <a:gd name="adj2" fmla="val 38803"/>
+              <a:gd name="adj3" fmla="val 105302"/>
+            </a:avLst>
+          </a:prstGeom>
+          <a:ln>
+            <a:tailEnd type="triangle"/>
+          </a:ln>
+        </p:spPr>
+        <p:style>
+          <a:lnRef idx="1">
+            <a:schemeClr val="dk1"/>
+          </a:lnRef>
+          <a:fillRef idx="0">
+            <a:schemeClr val="dk1"/>
+          </a:fillRef>
+          <a:effectRef idx="0">
+            <a:schemeClr val="dk1"/>
+          </a:effectRef>
+          <a:fontRef idx="minor">
+            <a:schemeClr val="tx1"/>
+          </a:fontRef>
+        </p:style>
+      </p:cxnSp>
+      <p:sp>
+        <p:nvSpPr>
+          <p:cNvPr id="15" name="Flussdiagramm: Verbinder 14">
+            <a:extLst>
+              <a:ext uri="{FF2B5EF4-FFF2-40B4-BE49-F238E27FC236}">
+                <a16:creationId xmlns:a16="http://schemas.microsoft.com/office/drawing/2014/main" id="{EF56F895-69DF-4F15-A171-C9A86DD512D8}"/>
+              </a:ext>
+            </a:extLst>
+          </p:cNvPr>
+          <p:cNvSpPr/>
+          <p:nvPr/>
+        </p:nvSpPr>
+        <p:spPr>
+          <a:xfrm>
+            <a:off x="4691220" y="1253745"/>
+            <a:ext cx="914400" cy="924560"/>
+          </a:xfrm>
+          <a:prstGeom prst="flowChartConnector">
+            <a:avLst/>
+          </a:prstGeom>
+        </p:spPr>
+        <p:style>
+          <a:lnRef idx="2">
+            <a:schemeClr val="dk1"/>
+          </a:lnRef>
+          <a:fillRef idx="1">
+            <a:schemeClr val="lt1"/>
+          </a:fillRef>
+          <a:effectRef idx="0">
+            <a:schemeClr val="dk1"/>
+          </a:effectRef>
+          <a:fontRef idx="minor">
+            <a:schemeClr val="dk1"/>
+          </a:fontRef>
+        </p:style>
+        <p:txBody>
+          <a:bodyPr rtlCol="0" anchor="ctr"/>
+          <a:lstStyle/>
+          <a:p>
+            <a:pPr algn="ctr"/>
+            <a:r>
+              <a:rPr lang="de-DE" sz="600" dirty="0"/>
+              <a:t>B – Taktiler </a:t>
+            </a:r>
+          </a:p>
+          <a:p>
+            <a:pPr algn="ctr"/>
+            <a:r>
+              <a:rPr lang="de-DE" sz="600" dirty="0"/>
+              <a:t>Untergrund</a:t>
+            </a:r>
+          </a:p>
+        </p:txBody>
+      </p:sp>
+      <p:sp>
+        <p:nvSpPr>
+          <p:cNvPr id="16" name="Flussdiagramm: Alternativer Prozess 15">
+            <a:extLst>
+              <a:ext uri="{FF2B5EF4-FFF2-40B4-BE49-F238E27FC236}">
+                <a16:creationId xmlns:a16="http://schemas.microsoft.com/office/drawing/2014/main" id="{792CDE91-3EE8-4436-93F7-192E816CE594}"/>
+              </a:ext>
+            </a:extLst>
+          </p:cNvPr>
+          <p:cNvSpPr/>
+          <p:nvPr/>
+        </p:nvSpPr>
+        <p:spPr>
+          <a:xfrm>
+            <a:off x="701200" y="1998980"/>
+            <a:ext cx="1008380" cy="492760"/>
+          </a:xfrm>
+          <a:prstGeom prst="flowChartAlternateProcess">
+            <a:avLst/>
+          </a:prstGeom>
+        </p:spPr>
+        <p:style>
+          <a:lnRef idx="2">
+            <a:schemeClr val="dk1"/>
+          </a:lnRef>
+          <a:fillRef idx="1">
+            <a:schemeClr val="lt1"/>
+          </a:fillRef>
+          <a:effectRef idx="0">
+            <a:schemeClr val="dk1"/>
+          </a:effectRef>
+          <a:fontRef idx="minor">
+            <a:schemeClr val="dk1"/>
+          </a:fontRef>
+        </p:style>
+        <p:txBody>
+          <a:bodyPr rtlCol="0" anchor="ctr"/>
+          <a:lstStyle/>
+          <a:p>
+            <a:pPr algn="ctr"/>
+            <a:r>
+              <a:rPr lang="de-DE" sz="600" dirty="0"/>
+              <a:t>Soziodemographischer Fragebogen</a:t>
+            </a:r>
+          </a:p>
+        </p:txBody>
+      </p:sp>
+      <p:sp>
+        <p:nvSpPr>
+          <p:cNvPr id="20" name="Flussdiagramm: Alternativer Prozess 19">
+            <a:extLst>
+              <a:ext uri="{FF2B5EF4-FFF2-40B4-BE49-F238E27FC236}">
+                <a16:creationId xmlns:a16="http://schemas.microsoft.com/office/drawing/2014/main" id="{98A27CF3-9072-42A1-A6EE-455393976F9A}"/>
+              </a:ext>
+            </a:extLst>
+          </p:cNvPr>
+          <p:cNvSpPr/>
+          <p:nvPr/>
+        </p:nvSpPr>
+        <p:spPr>
+          <a:xfrm>
+            <a:off x="3075465" y="2424682"/>
+            <a:ext cx="1008380" cy="492760"/>
+          </a:xfrm>
+          <a:prstGeom prst="flowChartAlternateProcess">
+            <a:avLst/>
+          </a:prstGeom>
+        </p:spPr>
+        <p:style>
+          <a:lnRef idx="2">
+            <a:schemeClr val="dk1"/>
+          </a:lnRef>
+          <a:fillRef idx="1">
+            <a:schemeClr val="lt1"/>
+          </a:fillRef>
+          <a:effectRef idx="0">
+            <a:schemeClr val="dk1"/>
+          </a:effectRef>
+          <a:fontRef idx="minor">
+            <a:schemeClr val="dk1"/>
+          </a:fontRef>
+        </p:style>
+        <p:txBody>
+          <a:bodyPr rtlCol="0" anchor="ctr"/>
+          <a:lstStyle/>
+          <a:p>
+            <a:pPr algn="ctr"/>
+            <a:r>
+              <a:rPr lang="de-DE" sz="600" dirty="0"/>
+              <a:t>Beurteilungsfragebogen</a:t>
+            </a:r>
+          </a:p>
+        </p:txBody>
+      </p:sp>
+      <p:cxnSp>
+        <p:nvCxnSpPr>
+          <p:cNvPr id="10" name="Gerade Verbindung mit Pfeil 9">
+            <a:extLst>
+              <a:ext uri="{FF2B5EF4-FFF2-40B4-BE49-F238E27FC236}">
+                <a16:creationId xmlns:a16="http://schemas.microsoft.com/office/drawing/2014/main" id="{3AC1E876-A11A-4936-BD70-58E37FC90F21}"/>
+              </a:ext>
+            </a:extLst>
+          </p:cNvPr>
+          <p:cNvCxnSpPr>
+            <a:cxnSpLocks/>
+            <a:stCxn id="13" idx="2"/>
+            <a:endCxn id="14" idx="0"/>
+          </p:cNvCxnSpPr>
+          <p:nvPr/>
+        </p:nvCxnSpPr>
+        <p:spPr>
+          <a:xfrm>
+            <a:off x="1205390" y="1013460"/>
+            <a:ext cx="0" cy="246380"/>
+          </a:xfrm>
+          <a:prstGeom prst="straightConnector1">
+            <a:avLst/>
+          </a:prstGeom>
+          <a:ln>
+            <a:tailEnd type="triangle"/>
+          </a:ln>
+        </p:spPr>
+        <p:style>
+          <a:lnRef idx="1">
+            <a:schemeClr val="dk1"/>
+          </a:lnRef>
+          <a:fillRef idx="0">
+            <a:schemeClr val="dk1"/>
+          </a:fillRef>
+          <a:effectRef idx="0">
+            <a:schemeClr val="dk1"/>
+          </a:effectRef>
+          <a:fontRef idx="minor">
+            <a:schemeClr val="tx1"/>
+          </a:fontRef>
+        </p:style>
+      </p:cxnSp>
+      <p:cxnSp>
+        <p:nvCxnSpPr>
+          <p:cNvPr id="21" name="Gerade Verbindung mit Pfeil 20">
+            <a:extLst>
+              <a:ext uri="{FF2B5EF4-FFF2-40B4-BE49-F238E27FC236}">
+                <a16:creationId xmlns:a16="http://schemas.microsoft.com/office/drawing/2014/main" id="{7F6AC432-B8BF-4ACA-8BDF-C3EB2D820A56}"/>
+              </a:ext>
+            </a:extLst>
+          </p:cNvPr>
+          <p:cNvCxnSpPr>
+            <a:cxnSpLocks/>
+            <a:stCxn id="14" idx="2"/>
+            <a:endCxn id="16" idx="0"/>
+          </p:cNvCxnSpPr>
+          <p:nvPr/>
+        </p:nvCxnSpPr>
+        <p:spPr>
+          <a:xfrm>
+            <a:off x="1205390" y="1752600"/>
+            <a:ext cx="0" cy="246380"/>
+          </a:xfrm>
+          <a:prstGeom prst="straightConnector1">
+            <a:avLst/>
+          </a:prstGeom>
+          <a:ln>
+            <a:tailEnd type="triangle"/>
+          </a:ln>
+        </p:spPr>
+        <p:style>
+          <a:lnRef idx="1">
+            <a:schemeClr val="dk1"/>
+          </a:lnRef>
+          <a:fillRef idx="0">
+            <a:schemeClr val="dk1"/>
+          </a:fillRef>
+          <a:effectRef idx="0">
+            <a:schemeClr val="dk1"/>
+          </a:effectRef>
+          <a:fontRef idx="minor">
+            <a:schemeClr val="tx1"/>
+          </a:fontRef>
+        </p:style>
+      </p:cxnSp>
+      <p:cxnSp>
+        <p:nvCxnSpPr>
+          <p:cNvPr id="24" name="Gerade Verbindung mit Pfeil 23">
+            <a:extLst>
+              <a:ext uri="{FF2B5EF4-FFF2-40B4-BE49-F238E27FC236}">
+                <a16:creationId xmlns:a16="http://schemas.microsoft.com/office/drawing/2014/main" id="{6BF180B3-BDC7-40D1-9B6D-89D65D6655CF}"/>
+              </a:ext>
+            </a:extLst>
+          </p:cNvPr>
+          <p:cNvCxnSpPr>
+            <a:cxnSpLocks/>
+            <a:stCxn id="16" idx="2"/>
+            <a:endCxn id="3" idx="0"/>
+          </p:cNvCxnSpPr>
+          <p:nvPr/>
+        </p:nvCxnSpPr>
+        <p:spPr>
+          <a:xfrm flipH="1">
+            <a:off x="1205388" y="2491740"/>
+            <a:ext cx="2" cy="243839"/>
+          </a:xfrm>
+          <a:prstGeom prst="straightConnector1">
+            <a:avLst/>
+          </a:prstGeom>
+          <a:ln>
+            <a:tailEnd type="triangle"/>
+          </a:ln>
+        </p:spPr>
+        <p:style>
+          <a:lnRef idx="1">
+            <a:schemeClr val="dk1"/>
+          </a:lnRef>
+          <a:fillRef idx="0">
+            <a:schemeClr val="dk1"/>
+          </a:fillRef>
+          <a:effectRef idx="0">
+            <a:schemeClr val="dk1"/>
+          </a:effectRef>
+          <a:fontRef idx="minor">
+            <a:schemeClr val="tx1"/>
+          </a:fontRef>
+        </p:style>
+      </p:cxnSp>
+      <p:cxnSp>
+        <p:nvCxnSpPr>
+          <p:cNvPr id="28" name="Gerade Verbindung mit Pfeil 27">
+            <a:extLst>
+              <a:ext uri="{FF2B5EF4-FFF2-40B4-BE49-F238E27FC236}">
+                <a16:creationId xmlns:a16="http://schemas.microsoft.com/office/drawing/2014/main" id="{9C463E03-24EF-4D41-B234-93FB20D2A93E}"/>
+              </a:ext>
+            </a:extLst>
+          </p:cNvPr>
+          <p:cNvCxnSpPr>
+            <a:cxnSpLocks/>
+            <a:stCxn id="3" idx="4"/>
+            <a:endCxn id="17" idx="0"/>
+          </p:cNvCxnSpPr>
+          <p:nvPr/>
+        </p:nvCxnSpPr>
+        <p:spPr>
+          <a:xfrm>
+            <a:off x="1205388" y="3660139"/>
+            <a:ext cx="0" cy="243839"/>
+          </a:xfrm>
+          <a:prstGeom prst="straightConnector1">
+            <a:avLst/>
+          </a:prstGeom>
+          <a:ln>
+            <a:tailEnd type="triangle"/>
+          </a:ln>
+        </p:spPr>
+        <p:style>
+          <a:lnRef idx="1">
+            <a:schemeClr val="dk1"/>
+          </a:lnRef>
+          <a:fillRef idx="0">
+            <a:schemeClr val="dk1"/>
+          </a:fillRef>
+          <a:effectRef idx="0">
+            <a:schemeClr val="dk1"/>
+          </a:effectRef>
+          <a:fontRef idx="minor">
+            <a:schemeClr val="tx1"/>
+          </a:fontRef>
+        </p:style>
+      </p:cxnSp>
+      <p:cxnSp>
+        <p:nvCxnSpPr>
+          <p:cNvPr id="33" name="Verbinder: gewinkelt 32">
+            <a:extLst>
+              <a:ext uri="{FF2B5EF4-FFF2-40B4-BE49-F238E27FC236}">
+                <a16:creationId xmlns:a16="http://schemas.microsoft.com/office/drawing/2014/main" id="{E635CA0B-E354-455D-90DA-EB94E4F2608A}"/>
+              </a:ext>
+            </a:extLst>
+          </p:cNvPr>
+          <p:cNvCxnSpPr>
+            <a:cxnSpLocks/>
+            <a:stCxn id="18" idx="2"/>
+            <a:endCxn id="15" idx="0"/>
+          </p:cNvCxnSpPr>
+          <p:nvPr/>
+        </p:nvCxnSpPr>
+        <p:spPr>
+          <a:xfrm rot="16200000" flipH="1">
+            <a:off x="4604543" y="709867"/>
+            <a:ext cx="243841" cy="843914"/>
+          </a:xfrm>
+          <a:prstGeom prst="bentConnector3">
+            <a:avLst/>
+          </a:prstGeom>
+          <a:ln>
+            <a:tailEnd type="triangle"/>
+          </a:ln>
+        </p:spPr>
+        <p:style>
+          <a:lnRef idx="1">
+            <a:schemeClr val="dk1"/>
+          </a:lnRef>
+          <a:fillRef idx="0">
+            <a:schemeClr val="dk1"/>
+          </a:fillRef>
+          <a:effectRef idx="0">
+            <a:schemeClr val="dk1"/>
+          </a:effectRef>
+          <a:fontRef idx="minor">
+            <a:schemeClr val="tx1"/>
+          </a:fontRef>
+        </p:style>
+      </p:cxnSp>
+      <p:cxnSp>
+        <p:nvCxnSpPr>
+          <p:cNvPr id="36" name="Verbinder: gewinkelt 35">
+            <a:extLst>
+              <a:ext uri="{FF2B5EF4-FFF2-40B4-BE49-F238E27FC236}">
+                <a16:creationId xmlns:a16="http://schemas.microsoft.com/office/drawing/2014/main" id="{23A9C5D2-C38C-4D71-BBDA-239A60F4B10C}"/>
+              </a:ext>
+            </a:extLst>
+          </p:cNvPr>
+          <p:cNvCxnSpPr>
+            <a:cxnSpLocks/>
+            <a:stCxn id="18" idx="2"/>
+            <a:endCxn id="19" idx="0"/>
+          </p:cNvCxnSpPr>
+          <p:nvPr/>
+        </p:nvCxnSpPr>
+        <p:spPr>
+          <a:xfrm rot="5400000">
+            <a:off x="3820161" y="769399"/>
+            <a:ext cx="243841" cy="724851"/>
+          </a:xfrm>
+          <a:prstGeom prst="bentConnector3">
+            <a:avLst/>
+          </a:prstGeom>
+          <a:ln>
+            <a:tailEnd type="triangle"/>
+          </a:ln>
+        </p:spPr>
+        <p:style>
+          <a:lnRef idx="1">
+            <a:schemeClr val="dk1"/>
+          </a:lnRef>
+          <a:fillRef idx="0">
+            <a:schemeClr val="dk1"/>
+          </a:fillRef>
+          <a:effectRef idx="0">
+            <a:schemeClr val="dk1"/>
+          </a:effectRef>
+          <a:fontRef idx="minor">
+            <a:schemeClr val="tx1"/>
+          </a:fontRef>
+        </p:style>
+      </p:cxnSp>
+      <p:cxnSp>
+        <p:nvCxnSpPr>
+          <p:cNvPr id="39" name="Gerade Verbindung mit Pfeil 38">
+            <a:extLst>
+              <a:ext uri="{FF2B5EF4-FFF2-40B4-BE49-F238E27FC236}">
+                <a16:creationId xmlns:a16="http://schemas.microsoft.com/office/drawing/2014/main" id="{D5371D64-A414-47FD-8A34-2506B5160925}"/>
+              </a:ext>
+            </a:extLst>
+          </p:cNvPr>
+          <p:cNvCxnSpPr>
+            <a:cxnSpLocks/>
+            <a:stCxn id="19" idx="4"/>
+            <a:endCxn id="20" idx="0"/>
+          </p:cNvCxnSpPr>
+          <p:nvPr/>
+        </p:nvCxnSpPr>
+        <p:spPr>
+          <a:xfrm>
+            <a:off x="3579655" y="2178305"/>
+            <a:ext cx="0" cy="246377"/>
+          </a:xfrm>
+          <a:prstGeom prst="straightConnector1">
+            <a:avLst/>
+          </a:prstGeom>
+          <a:ln>
+            <a:tailEnd type="triangle"/>
+          </a:ln>
+        </p:spPr>
+        <p:style>
+          <a:lnRef idx="1">
+            <a:schemeClr val="dk1"/>
+          </a:lnRef>
+          <a:fillRef idx="0">
+            <a:schemeClr val="dk1"/>
+          </a:fillRef>
+          <a:effectRef idx="0">
+            <a:schemeClr val="dk1"/>
+          </a:effectRef>
+          <a:fontRef idx="minor">
+            <a:schemeClr val="tx1"/>
+          </a:fontRef>
+        </p:style>
+      </p:cxnSp>
+      <p:cxnSp>
+        <p:nvCxnSpPr>
+          <p:cNvPr id="42" name="Gerade Verbindung mit Pfeil 41">
+            <a:extLst>
+              <a:ext uri="{FF2B5EF4-FFF2-40B4-BE49-F238E27FC236}">
+                <a16:creationId xmlns:a16="http://schemas.microsoft.com/office/drawing/2014/main" id="{3E8B8946-F44F-4A36-B3E6-712C013F7502}"/>
+              </a:ext>
+            </a:extLst>
+          </p:cNvPr>
+          <p:cNvCxnSpPr>
+            <a:cxnSpLocks/>
+            <a:stCxn id="15" idx="4"/>
+            <a:endCxn id="2" idx="0"/>
+          </p:cNvCxnSpPr>
+          <p:nvPr/>
+        </p:nvCxnSpPr>
+        <p:spPr>
+          <a:xfrm>
+            <a:off x="5148420" y="2178305"/>
+            <a:ext cx="0" cy="246377"/>
+          </a:xfrm>
+          <a:prstGeom prst="straightConnector1">
+            <a:avLst/>
+          </a:prstGeom>
+          <a:ln>
+            <a:tailEnd type="triangle"/>
+          </a:ln>
+        </p:spPr>
+        <p:style>
+          <a:lnRef idx="1">
+            <a:schemeClr val="dk1"/>
+          </a:lnRef>
+          <a:fillRef idx="0">
+            <a:schemeClr val="dk1"/>
+          </a:fillRef>
+          <a:effectRef idx="0">
+            <a:schemeClr val="dk1"/>
+          </a:effectRef>
+          <a:fontRef idx="minor">
+            <a:schemeClr val="tx1"/>
+          </a:fontRef>
+        </p:style>
+      </p:cxnSp>
+      <p:sp>
+        <p:nvSpPr>
+          <p:cNvPr id="48" name="Flussdiagramm: Verbinder 47">
+            <a:extLst>
+              <a:ext uri="{FF2B5EF4-FFF2-40B4-BE49-F238E27FC236}">
+                <a16:creationId xmlns:a16="http://schemas.microsoft.com/office/drawing/2014/main" id="{4D5F6425-55B3-4C11-8E15-BBC63636B4AA}"/>
+              </a:ext>
+            </a:extLst>
+          </p:cNvPr>
+          <p:cNvSpPr/>
+          <p:nvPr/>
+        </p:nvSpPr>
+        <p:spPr>
+          <a:xfrm>
+            <a:off x="4667725" y="3168902"/>
+            <a:ext cx="961390" cy="924560"/>
+          </a:xfrm>
+          <a:prstGeom prst="flowChartConnector">
+            <a:avLst/>
+          </a:prstGeom>
+        </p:spPr>
+        <p:style>
+          <a:lnRef idx="2">
+            <a:schemeClr val="dk1"/>
+          </a:lnRef>
+          <a:fillRef idx="1">
+            <a:schemeClr val="lt1"/>
+          </a:fillRef>
+          <a:effectRef idx="0">
+            <a:schemeClr val="dk1"/>
+          </a:effectRef>
+          <a:fontRef idx="minor">
+            <a:schemeClr val="dk1"/>
+          </a:fontRef>
+        </p:style>
+        <p:txBody>
+          <a:bodyPr rtlCol="0" anchor="ctr"/>
+          <a:lstStyle/>
+          <a:p>
+            <a:pPr algn="ctr"/>
+            <a:r>
+              <a:rPr lang="de-DE" sz="600" dirty="0"/>
+              <a:t>Baseline</a:t>
+            </a:r>
+          </a:p>
+        </p:txBody>
+      </p:sp>
+      <p:sp>
+        <p:nvSpPr>
+          <p:cNvPr id="49" name="Flussdiagramm: Verbinder 48">
+            <a:extLst>
+              <a:ext uri="{FF2B5EF4-FFF2-40B4-BE49-F238E27FC236}">
+                <a16:creationId xmlns:a16="http://schemas.microsoft.com/office/drawing/2014/main" id="{7B80EBD2-02FD-48A6-A356-5591A0408310}"/>
+              </a:ext>
+            </a:extLst>
+          </p:cNvPr>
+          <p:cNvSpPr/>
+          <p:nvPr/>
+        </p:nvSpPr>
+        <p:spPr>
+          <a:xfrm>
+            <a:off x="3098960" y="3168902"/>
+            <a:ext cx="961390" cy="924560"/>
+          </a:xfrm>
+          <a:prstGeom prst="flowChartConnector">
+            <a:avLst/>
+          </a:prstGeom>
+        </p:spPr>
+        <p:style>
+          <a:lnRef idx="2">
+            <a:schemeClr val="dk1"/>
+          </a:lnRef>
+          <a:fillRef idx="1">
+            <a:schemeClr val="lt1"/>
+          </a:fillRef>
+          <a:effectRef idx="0">
+            <a:schemeClr val="dk1"/>
+          </a:effectRef>
+          <a:fontRef idx="minor">
+            <a:schemeClr val="dk1"/>
+          </a:fontRef>
+        </p:style>
+        <p:txBody>
+          <a:bodyPr rtlCol="0" anchor="ctr"/>
+          <a:lstStyle/>
+          <a:p>
+            <a:pPr algn="ctr"/>
+            <a:r>
+              <a:rPr lang="de-DE" sz="600" dirty="0"/>
+              <a:t>Baseline</a:t>
+            </a:r>
+          </a:p>
+        </p:txBody>
+      </p:sp>
+      <p:cxnSp>
+        <p:nvCxnSpPr>
+          <p:cNvPr id="53" name="Gerade Verbindung mit Pfeil 52">
+            <a:extLst>
+              <a:ext uri="{FF2B5EF4-FFF2-40B4-BE49-F238E27FC236}">
+                <a16:creationId xmlns:a16="http://schemas.microsoft.com/office/drawing/2014/main" id="{2E3DA94D-65A9-40AA-80CA-616AB72E7CDB}"/>
+              </a:ext>
+            </a:extLst>
+          </p:cNvPr>
+          <p:cNvCxnSpPr>
+            <a:cxnSpLocks/>
+            <a:stCxn id="20" idx="2"/>
+            <a:endCxn id="49" idx="0"/>
+          </p:cNvCxnSpPr>
+          <p:nvPr/>
+        </p:nvCxnSpPr>
+        <p:spPr>
+          <a:xfrm>
+            <a:off x="3579655" y="2917442"/>
+            <a:ext cx="0" cy="251460"/>
+          </a:xfrm>
+          <a:prstGeom prst="straightConnector1">
+            <a:avLst/>
+          </a:prstGeom>
+          <a:ln>
+            <a:tailEnd type="triangle"/>
+          </a:ln>
+        </p:spPr>
+        <p:style>
+          <a:lnRef idx="1">
+            <a:schemeClr val="dk1"/>
+          </a:lnRef>
+          <a:fillRef idx="0">
+            <a:schemeClr val="dk1"/>
+          </a:fillRef>
+          <a:effectRef idx="0">
+            <a:schemeClr val="dk1"/>
+          </a:effectRef>
+          <a:fontRef idx="minor">
+            <a:schemeClr val="tx1"/>
+          </a:fontRef>
+        </p:style>
+      </p:cxnSp>
+      <p:cxnSp>
+        <p:nvCxnSpPr>
+          <p:cNvPr id="58" name="Gerade Verbindung mit Pfeil 57">
+            <a:extLst>
+              <a:ext uri="{FF2B5EF4-FFF2-40B4-BE49-F238E27FC236}">
+                <a16:creationId xmlns:a16="http://schemas.microsoft.com/office/drawing/2014/main" id="{ADDCFE22-633D-4CBE-9E6B-193A9DF89589}"/>
+              </a:ext>
+            </a:extLst>
+          </p:cNvPr>
+          <p:cNvCxnSpPr>
+            <a:cxnSpLocks/>
+            <a:stCxn id="2" idx="2"/>
+            <a:endCxn id="48" idx="0"/>
+          </p:cNvCxnSpPr>
+          <p:nvPr/>
+        </p:nvCxnSpPr>
+        <p:spPr>
+          <a:xfrm>
+            <a:off x="5148420" y="2917442"/>
+            <a:ext cx="0" cy="251460"/>
+          </a:xfrm>
+          <a:prstGeom prst="straightConnector1">
+            <a:avLst/>
+          </a:prstGeom>
+          <a:ln>
+            <a:tailEnd type="triangle"/>
+          </a:ln>
+        </p:spPr>
+        <p:style>
+          <a:lnRef idx="1">
+            <a:schemeClr val="dk1"/>
+          </a:lnRef>
+          <a:fillRef idx="0">
+            <a:schemeClr val="dk1"/>
+          </a:fillRef>
+          <a:effectRef idx="0">
+            <a:schemeClr val="dk1"/>
+          </a:effectRef>
+          <a:fontRef idx="minor">
+            <a:schemeClr val="tx1"/>
+          </a:fontRef>
+        </p:style>
+      </p:cxnSp>
+      <p:sp>
+        <p:nvSpPr>
+          <p:cNvPr id="60" name="Flussdiagramm: Verbinder 59">
+            <a:extLst>
+              <a:ext uri="{FF2B5EF4-FFF2-40B4-BE49-F238E27FC236}">
+                <a16:creationId xmlns:a16="http://schemas.microsoft.com/office/drawing/2014/main" id="{95FD4F2B-7B60-4459-8BE4-3F0AD457FA07}"/>
+              </a:ext>
+            </a:extLst>
+          </p:cNvPr>
+          <p:cNvSpPr/>
+          <p:nvPr/>
+        </p:nvSpPr>
+        <p:spPr>
+          <a:xfrm>
+            <a:off x="3098960" y="4332221"/>
+            <a:ext cx="961390" cy="924560"/>
+          </a:xfrm>
+          <a:prstGeom prst="flowChartConnector">
+            <a:avLst/>
+          </a:prstGeom>
+        </p:spPr>
+        <p:style>
+          <a:lnRef idx="2">
+            <a:schemeClr val="dk1"/>
+          </a:lnRef>
+          <a:fillRef idx="1">
+            <a:schemeClr val="lt1"/>
+          </a:fillRef>
+          <a:effectRef idx="0">
+            <a:schemeClr val="dk1"/>
+          </a:effectRef>
+          <a:fontRef idx="minor">
+            <a:schemeClr val="dk1"/>
+          </a:fontRef>
+        </p:style>
+        <p:txBody>
+          <a:bodyPr rtlCol="0" anchor="ctr"/>
+          <a:lstStyle/>
+          <a:p>
+            <a:pPr algn="ctr"/>
+            <a:r>
+              <a:rPr lang="de-DE" sz="600" dirty="0"/>
+              <a:t>B – Taktiler </a:t>
+            </a:r>
+          </a:p>
+          <a:p>
+            <a:pPr algn="ctr"/>
+            <a:r>
+              <a:rPr lang="de-DE" sz="600" dirty="0"/>
+              <a:t>Untergrund</a:t>
+            </a:r>
+          </a:p>
+        </p:txBody>
+      </p:sp>
+      <p:sp>
+        <p:nvSpPr>
+          <p:cNvPr id="62" name="Flussdiagramm: Verbinder 61">
+            <a:extLst>
+              <a:ext uri="{FF2B5EF4-FFF2-40B4-BE49-F238E27FC236}">
+                <a16:creationId xmlns:a16="http://schemas.microsoft.com/office/drawing/2014/main" id="{73188184-F829-4C63-8563-17FAF29FDC1F}"/>
+              </a:ext>
+            </a:extLst>
+          </p:cNvPr>
+          <p:cNvSpPr/>
+          <p:nvPr/>
+        </p:nvSpPr>
+        <p:spPr>
+          <a:xfrm>
+            <a:off x="4667725" y="4332221"/>
+            <a:ext cx="961390" cy="924560"/>
+          </a:xfrm>
+          <a:prstGeom prst="flowChartConnector">
+            <a:avLst/>
+          </a:prstGeom>
+        </p:spPr>
+        <p:style>
+          <a:lnRef idx="2">
+            <a:schemeClr val="dk1"/>
+          </a:lnRef>
+          <a:fillRef idx="1">
+            <a:schemeClr val="lt1"/>
+          </a:fillRef>
+          <a:effectRef idx="0">
+            <a:schemeClr val="dk1"/>
+          </a:effectRef>
+          <a:fontRef idx="minor">
+            <a:schemeClr val="dk1"/>
+          </a:fontRef>
+        </p:style>
+        <p:txBody>
+          <a:bodyPr rtlCol="0" anchor="ctr"/>
+          <a:lstStyle/>
+          <a:p>
+            <a:pPr algn="ctr"/>
+            <a:r>
+              <a:rPr lang="de-DE" sz="600" dirty="0"/>
+              <a:t>A - Malus</a:t>
+            </a:r>
+          </a:p>
+        </p:txBody>
+      </p:sp>
+      <p:cxnSp>
+        <p:nvCxnSpPr>
+          <p:cNvPr id="64" name="Gerade Verbindung mit Pfeil 63">
+            <a:extLst>
+              <a:ext uri="{FF2B5EF4-FFF2-40B4-BE49-F238E27FC236}">
+                <a16:creationId xmlns:a16="http://schemas.microsoft.com/office/drawing/2014/main" id="{288DDB9A-5A78-4DBA-B391-ADE71CC6ADDD}"/>
+              </a:ext>
+            </a:extLst>
+          </p:cNvPr>
+          <p:cNvCxnSpPr>
+            <a:cxnSpLocks/>
+            <a:stCxn id="49" idx="4"/>
+            <a:endCxn id="60" idx="0"/>
+          </p:cNvCxnSpPr>
+          <p:nvPr/>
+        </p:nvCxnSpPr>
+        <p:spPr>
+          <a:xfrm>
+            <a:off x="3579655" y="4093462"/>
+            <a:ext cx="0" cy="238759"/>
+          </a:xfrm>
+          <a:prstGeom prst="straightConnector1">
+            <a:avLst/>
+          </a:prstGeom>
+          <a:ln>
+            <a:tailEnd type="triangle"/>
+          </a:ln>
+        </p:spPr>
+        <p:style>
+          <a:lnRef idx="1">
+            <a:schemeClr val="dk1"/>
+          </a:lnRef>
+          <a:fillRef idx="0">
+            <a:schemeClr val="dk1"/>
+          </a:fillRef>
+          <a:effectRef idx="0">
+            <a:schemeClr val="dk1"/>
+          </a:effectRef>
+          <a:fontRef idx="minor">
+            <a:schemeClr val="tx1"/>
+          </a:fontRef>
+        </p:style>
+      </p:cxnSp>
+      <p:cxnSp>
+        <p:nvCxnSpPr>
+          <p:cNvPr id="68" name="Gerade Verbindung mit Pfeil 67">
+            <a:extLst>
+              <a:ext uri="{FF2B5EF4-FFF2-40B4-BE49-F238E27FC236}">
+                <a16:creationId xmlns:a16="http://schemas.microsoft.com/office/drawing/2014/main" id="{09460DF2-2FBB-42FA-85C1-B54E1B59F438}"/>
+              </a:ext>
+            </a:extLst>
+          </p:cNvPr>
+          <p:cNvCxnSpPr>
+            <a:cxnSpLocks/>
+            <a:stCxn id="48" idx="4"/>
+            <a:endCxn id="62" idx="0"/>
+          </p:cNvCxnSpPr>
+          <p:nvPr/>
+        </p:nvCxnSpPr>
+        <p:spPr>
+          <a:xfrm>
+            <a:off x="5148420" y="4093462"/>
+            <a:ext cx="0" cy="238759"/>
+          </a:xfrm>
+          <a:prstGeom prst="straightConnector1">
+            <a:avLst/>
+          </a:prstGeom>
+          <a:ln>
+            <a:tailEnd type="triangle"/>
+          </a:ln>
+        </p:spPr>
+        <p:style>
+          <a:lnRef idx="1">
+            <a:schemeClr val="dk1"/>
+          </a:lnRef>
+          <a:fillRef idx="0">
+            <a:schemeClr val="dk1"/>
+          </a:fillRef>
+          <a:effectRef idx="0">
+            <a:schemeClr val="dk1"/>
+          </a:effectRef>
+          <a:fontRef idx="minor">
+            <a:schemeClr val="tx1"/>
+          </a:fontRef>
+        </p:style>
+      </p:cxnSp>
+      <p:sp>
+        <p:nvSpPr>
+          <p:cNvPr id="71" name="Flussdiagramm: Verbinder 70">
+            <a:extLst>
+              <a:ext uri="{FF2B5EF4-FFF2-40B4-BE49-F238E27FC236}">
+                <a16:creationId xmlns:a16="http://schemas.microsoft.com/office/drawing/2014/main" id="{2BDF59DA-ABB4-4919-B55E-B4C0B16355EA}"/>
+              </a:ext>
+            </a:extLst>
+          </p:cNvPr>
+          <p:cNvSpPr/>
+          <p:nvPr/>
+        </p:nvSpPr>
+        <p:spPr>
+          <a:xfrm>
+            <a:off x="3823810" y="5500624"/>
+            <a:ext cx="961390" cy="924560"/>
+          </a:xfrm>
+          <a:prstGeom prst="flowChartConnector">
+            <a:avLst/>
+          </a:prstGeom>
+        </p:spPr>
+        <p:style>
+          <a:lnRef idx="2">
+            <a:schemeClr val="dk1"/>
+          </a:lnRef>
+          <a:fillRef idx="1">
+            <a:schemeClr val="lt1"/>
+          </a:fillRef>
+          <a:effectRef idx="0">
+            <a:schemeClr val="dk1"/>
+          </a:effectRef>
+          <a:fontRef idx="minor">
+            <a:schemeClr val="dk1"/>
+          </a:fontRef>
+        </p:style>
+        <p:txBody>
+          <a:bodyPr rtlCol="0" anchor="ctr"/>
+          <a:lstStyle/>
+          <a:p>
+            <a:pPr algn="ctr"/>
+            <a:r>
+              <a:rPr lang="de-DE" sz="600" dirty="0"/>
               <a:t>Baseline</a:t>
             </a:r>
           </a:p>
@@ -3314,10 +4268,583 @@
           </a:p>
         </p:txBody>
       </p:sp>
+      <p:cxnSp>
+        <p:nvCxnSpPr>
+          <p:cNvPr id="73" name="Verbinder: gewinkelt 72">
+            <a:extLst>
+              <a:ext uri="{FF2B5EF4-FFF2-40B4-BE49-F238E27FC236}">
+                <a16:creationId xmlns:a16="http://schemas.microsoft.com/office/drawing/2014/main" id="{DAD0E777-7C1F-4B26-A4E6-F94B55CD6A8A}"/>
+              </a:ext>
+            </a:extLst>
+          </p:cNvPr>
+          <p:cNvCxnSpPr>
+            <a:cxnSpLocks/>
+            <a:stCxn id="60" idx="4"/>
+            <a:endCxn id="71" idx="0"/>
+          </p:cNvCxnSpPr>
+          <p:nvPr/>
+        </p:nvCxnSpPr>
+        <p:spPr>
+          <a:xfrm rot="16200000" flipH="1">
+            <a:off x="3820159" y="5016277"/>
+            <a:ext cx="243843" cy="724850"/>
+          </a:xfrm>
+          <a:prstGeom prst="bentConnector3">
+            <a:avLst/>
+          </a:prstGeom>
+          <a:ln>
+            <a:tailEnd type="triangle"/>
+          </a:ln>
+        </p:spPr>
+        <p:style>
+          <a:lnRef idx="1">
+            <a:schemeClr val="dk1"/>
+          </a:lnRef>
+          <a:fillRef idx="0">
+            <a:schemeClr val="dk1"/>
+          </a:fillRef>
+          <a:effectRef idx="0">
+            <a:schemeClr val="dk1"/>
+          </a:effectRef>
+          <a:fontRef idx="minor">
+            <a:schemeClr val="tx1"/>
+          </a:fontRef>
+        </p:style>
+      </p:cxnSp>
+      <p:cxnSp>
+        <p:nvCxnSpPr>
+          <p:cNvPr id="76" name="Verbinder: gewinkelt 75">
+            <a:extLst>
+              <a:ext uri="{FF2B5EF4-FFF2-40B4-BE49-F238E27FC236}">
+                <a16:creationId xmlns:a16="http://schemas.microsoft.com/office/drawing/2014/main" id="{928ABEE9-AA3B-425A-9971-4AC11DA7FEFD}"/>
+              </a:ext>
+            </a:extLst>
+          </p:cNvPr>
+          <p:cNvCxnSpPr>
+            <a:cxnSpLocks/>
+            <a:stCxn id="62" idx="4"/>
+            <a:endCxn id="71" idx="0"/>
+          </p:cNvCxnSpPr>
+          <p:nvPr/>
+        </p:nvCxnSpPr>
+        <p:spPr>
+          <a:xfrm rot="5400000">
+            <a:off x="4604542" y="4956745"/>
+            <a:ext cx="243843" cy="843915"/>
+          </a:xfrm>
+          <a:prstGeom prst="bentConnector3">
+            <a:avLst/>
+          </a:prstGeom>
+          <a:ln>
+            <a:tailEnd type="triangle"/>
+          </a:ln>
+        </p:spPr>
+        <p:style>
+          <a:lnRef idx="1">
+            <a:schemeClr val="dk1"/>
+          </a:lnRef>
+          <a:fillRef idx="0">
+            <a:schemeClr val="dk1"/>
+          </a:fillRef>
+          <a:effectRef idx="0">
+            <a:schemeClr val="dk1"/>
+          </a:effectRef>
+          <a:fontRef idx="minor">
+            <a:schemeClr val="tx1"/>
+          </a:fontRef>
+        </p:style>
+      </p:cxnSp>
+      <p:sp>
+        <p:nvSpPr>
+          <p:cNvPr id="78" name="Flussdiagramm: Alternativer Prozess 77">
+            <a:extLst>
+              <a:ext uri="{FF2B5EF4-FFF2-40B4-BE49-F238E27FC236}">
+                <a16:creationId xmlns:a16="http://schemas.microsoft.com/office/drawing/2014/main" id="{E6E50F04-D614-4EFD-8F2F-F2B378810DA9}"/>
+              </a:ext>
+            </a:extLst>
+          </p:cNvPr>
+          <p:cNvSpPr/>
+          <p:nvPr/>
+        </p:nvSpPr>
+        <p:spPr>
+          <a:xfrm>
+            <a:off x="3800316" y="6663943"/>
+            <a:ext cx="1008380" cy="492760"/>
+          </a:xfrm>
+          <a:prstGeom prst="flowChartAlternateProcess">
+            <a:avLst/>
+          </a:prstGeom>
+        </p:spPr>
+        <p:style>
+          <a:lnRef idx="2">
+            <a:schemeClr val="dk1"/>
+          </a:lnRef>
+          <a:fillRef idx="1">
+            <a:schemeClr val="lt1"/>
+          </a:fillRef>
+          <a:effectRef idx="0">
+            <a:schemeClr val="dk1"/>
+          </a:effectRef>
+          <a:fontRef idx="minor">
+            <a:schemeClr val="dk1"/>
+          </a:fontRef>
+        </p:style>
+        <p:txBody>
+          <a:bodyPr rtlCol="0" anchor="ctr"/>
+          <a:lstStyle/>
+          <a:p>
+            <a:pPr algn="ctr"/>
+            <a:r>
+              <a:rPr lang="de-DE" sz="600" dirty="0"/>
+              <a:t>Persönliches Feedback Interview</a:t>
+            </a:r>
+          </a:p>
+        </p:txBody>
+      </p:sp>
+      <p:cxnSp>
+        <p:nvCxnSpPr>
+          <p:cNvPr id="84" name="Gerade Verbindung mit Pfeil 83">
+            <a:extLst>
+              <a:ext uri="{FF2B5EF4-FFF2-40B4-BE49-F238E27FC236}">
+                <a16:creationId xmlns:a16="http://schemas.microsoft.com/office/drawing/2014/main" id="{501DA436-6696-451A-A9E0-0FEE0B285F2A}"/>
+              </a:ext>
+            </a:extLst>
+          </p:cNvPr>
+          <p:cNvCxnSpPr>
+            <a:cxnSpLocks/>
+            <a:stCxn id="71" idx="4"/>
+            <a:endCxn id="78" idx="0"/>
+          </p:cNvCxnSpPr>
+          <p:nvPr/>
+        </p:nvCxnSpPr>
+        <p:spPr>
+          <a:xfrm>
+            <a:off x="4304505" y="6425184"/>
+            <a:ext cx="1" cy="238759"/>
+          </a:xfrm>
+          <a:prstGeom prst="straightConnector1">
+            <a:avLst/>
+          </a:prstGeom>
+          <a:ln>
+            <a:tailEnd type="triangle"/>
+          </a:ln>
+        </p:spPr>
+        <p:style>
+          <a:lnRef idx="1">
+            <a:schemeClr val="dk1"/>
+          </a:lnRef>
+          <a:fillRef idx="0">
+            <a:schemeClr val="dk1"/>
+          </a:fillRef>
+          <a:effectRef idx="0">
+            <a:schemeClr val="dk1"/>
+          </a:effectRef>
+          <a:fontRef idx="minor">
+            <a:schemeClr val="tx1"/>
+          </a:fontRef>
+        </p:style>
+      </p:cxnSp>
     </p:spTree>
     <p:extLst>
       <p:ext uri="{BB962C8B-B14F-4D97-AF65-F5344CB8AC3E}">
         <p14:creationId xmlns:p14="http://schemas.microsoft.com/office/powerpoint/2010/main" val="20470443"/>
+      </p:ext>
+    </p:extLst>
+  </p:cSld>
+  <p:clrMapOvr>
+    <a:masterClrMapping/>
+  </p:clrMapOvr>
+</p:sld>
+</file>
+
+<file path=ppt/slides/slide2.xml><?xml version="1.0" encoding="utf-8"?>
+<p:sld xmlns:a="http://schemas.openxmlformats.org/drawingml/2006/main" xmlns:r="http://schemas.openxmlformats.org/officeDocument/2006/relationships" xmlns:p="http://schemas.openxmlformats.org/presentationml/2006/main">
+  <p:cSld>
+    <p:spTree>
+      <p:nvGrpSpPr>
+        <p:cNvPr id="1" name=""/>
+        <p:cNvGrpSpPr/>
+        <p:nvPr/>
+      </p:nvGrpSpPr>
+      <p:grpSpPr>
+        <a:xfrm>
+          <a:off x="0" y="0"/>
+          <a:ext cx="0" cy="0"/>
+          <a:chOff x="0" y="0"/>
+          <a:chExt cx="0" cy="0"/>
+        </a:xfrm>
+      </p:grpSpPr>
+      <p:graphicFrame>
+        <p:nvGraphicFramePr>
+          <p:cNvPr id="4" name="Tabelle 5">
+            <a:extLst>
+              <a:ext uri="{FF2B5EF4-FFF2-40B4-BE49-F238E27FC236}">
+                <a16:creationId xmlns:a16="http://schemas.microsoft.com/office/drawing/2014/main" id="{026D1764-969C-4734-B403-CB0F48F1E277}"/>
+              </a:ext>
+            </a:extLst>
+          </p:cNvPr>
+          <p:cNvGraphicFramePr>
+            <a:graphicFrameLocks noGrp="1"/>
+          </p:cNvGraphicFramePr>
+          <p:nvPr>
+            <p:extLst>
+              <p:ext uri="{D42A27DB-BD31-4B8C-83A1-F6EECF244321}">
+                <p14:modId xmlns:p14="http://schemas.microsoft.com/office/powerpoint/2010/main" val="2534504330"/>
+              </p:ext>
+            </p:extLst>
+          </p:nvPr>
+        </p:nvGraphicFramePr>
+        <p:xfrm>
+          <a:off x="1143000" y="4968240"/>
+          <a:ext cx="5242560" cy="1865010"/>
+        </p:xfrm>
+        <a:graphic>
+          <a:graphicData uri="http://schemas.openxmlformats.org/drawingml/2006/table">
+            <a:tbl>
+              <a:tblPr firstRow="1" bandRow="1">
+                <a:tableStyleId>{F5AB1C69-6EDB-4FF4-983F-18BD219EF322}</a:tableStyleId>
+              </a:tblPr>
+              <a:tblGrid>
+                <a:gridCol w="1048512">
+                  <a:extLst>
+                    <a:ext uri="{9D8B030D-6E8A-4147-A177-3AD203B41FA5}">
+                      <a16:colId xmlns:a16="http://schemas.microsoft.com/office/drawing/2014/main" val="1271075832"/>
+                    </a:ext>
+                  </a:extLst>
+                </a:gridCol>
+                <a:gridCol w="1048512">
+                  <a:extLst>
+                    <a:ext uri="{9D8B030D-6E8A-4147-A177-3AD203B41FA5}">
+                      <a16:colId xmlns:a16="http://schemas.microsoft.com/office/drawing/2014/main" val="1717630461"/>
+                    </a:ext>
+                  </a:extLst>
+                </a:gridCol>
+                <a:gridCol w="1048512">
+                  <a:extLst>
+                    <a:ext uri="{9D8B030D-6E8A-4147-A177-3AD203B41FA5}">
+                      <a16:colId xmlns:a16="http://schemas.microsoft.com/office/drawing/2014/main" val="3271738588"/>
+                    </a:ext>
+                  </a:extLst>
+                </a:gridCol>
+                <a:gridCol w="1048512">
+                  <a:extLst>
+                    <a:ext uri="{9D8B030D-6E8A-4147-A177-3AD203B41FA5}">
+                      <a16:colId xmlns:a16="http://schemas.microsoft.com/office/drawing/2014/main" val="354876438"/>
+                    </a:ext>
+                  </a:extLst>
+                </a:gridCol>
+                <a:gridCol w="1048512">
+                  <a:extLst>
+                    <a:ext uri="{9D8B030D-6E8A-4147-A177-3AD203B41FA5}">
+                      <a16:colId xmlns:a16="http://schemas.microsoft.com/office/drawing/2014/main" val="1260805242"/>
+                    </a:ext>
+                  </a:extLst>
+                </a:gridCol>
+              </a:tblGrid>
+              <a:tr h="824085">
+                <a:tc>
+                  <a:txBody>
+                    <a:bodyPr/>
+                    <a:lstStyle/>
+                    <a:p>
+                      <a:pPr algn="ctr"/>
+                      <a:endParaRPr lang="de-DE" sz="1100" dirty="0"/>
+                    </a:p>
+                  </a:txBody>
+                  <a:tcPr anchor="ctr"/>
+                </a:tc>
+                <a:tc>
+                  <a:txBody>
+                    <a:bodyPr/>
+                    <a:lstStyle/>
+                    <a:p>
+                      <a:pPr algn="ctr"/>
+                      <a:r>
+                        <a:rPr lang="de-DE" sz="1100" dirty="0"/>
+                        <a:t>A - Malus</a:t>
+                      </a:r>
+                    </a:p>
+                  </a:txBody>
+                  <a:tcPr anchor="ctr"/>
+                </a:tc>
+                <a:tc>
+                  <a:txBody>
+                    <a:bodyPr/>
+                    <a:lstStyle/>
+                    <a:p>
+                      <a:pPr algn="ctr"/>
+                      <a:r>
+                        <a:rPr lang="de-DE" sz="1100" dirty="0"/>
+                        <a:t>B – Taktiler Untergrund</a:t>
+                      </a:r>
+                    </a:p>
+                  </a:txBody>
+                  <a:tcPr anchor="ctr"/>
+                </a:tc>
+                <a:tc>
+                  <a:txBody>
+                    <a:bodyPr/>
+                    <a:lstStyle/>
+                    <a:p>
+                      <a:pPr algn="ctr"/>
+                      <a:r>
+                        <a:rPr lang="de-DE" sz="1100" dirty="0"/>
+                        <a:t>Stichprobe</a:t>
+                      </a:r>
+                    </a:p>
+                  </a:txBody>
+                  <a:tcPr anchor="ctr"/>
+                </a:tc>
+                <a:tc>
+                  <a:txBody>
+                    <a:bodyPr/>
+                    <a:lstStyle/>
+                    <a:p>
+                      <a:pPr algn="ctr"/>
+                      <a:r>
+                        <a:rPr lang="de-DE" sz="1100" dirty="0"/>
+                        <a:t>Y – Zeit Weg verlassen</a:t>
+                      </a:r>
+                    </a:p>
+                  </a:txBody>
+                  <a:tcPr anchor="ctr"/>
+                </a:tc>
+                <a:extLst>
+                  <a:ext uri="{0D108BD9-81ED-4DB2-BD59-A6C34878D82A}">
+                    <a16:rowId xmlns:a16="http://schemas.microsoft.com/office/drawing/2014/main" val="2813691188"/>
+                  </a:ext>
+                </a:extLst>
+              </a:tr>
+              <a:tr h="346975">
+                <a:tc>
+                  <a:txBody>
+                    <a:bodyPr/>
+                    <a:lstStyle/>
+                    <a:p>
+                      <a:pPr algn="ctr"/>
+                      <a:r>
+                        <a:rPr lang="de-DE" sz="1100" dirty="0"/>
+                        <a:t>Szenario 1</a:t>
+                      </a:r>
+                    </a:p>
+                  </a:txBody>
+                  <a:tcPr anchor="ctr"/>
+                </a:tc>
+                <a:tc>
+                  <a:txBody>
+                    <a:bodyPr/>
+                    <a:lstStyle/>
+                    <a:p>
+                      <a:pPr algn="ctr"/>
+                      <a:r>
+                        <a:rPr lang="de-DE" sz="1100" dirty="0"/>
+                        <a:t>1</a:t>
+                      </a:r>
+                    </a:p>
+                  </a:txBody>
+                  <a:tcPr anchor="ctr"/>
+                </a:tc>
+                <a:tc>
+                  <a:txBody>
+                    <a:bodyPr/>
+                    <a:lstStyle/>
+                    <a:p>
+                      <a:pPr algn="ctr"/>
+                      <a:r>
+                        <a:rPr lang="de-DE" sz="1100" dirty="0"/>
+                        <a:t>0</a:t>
+                      </a:r>
+                    </a:p>
+                  </a:txBody>
+                  <a:tcPr anchor="ctr"/>
+                </a:tc>
+                <a:tc>
+                  <a:txBody>
+                    <a:bodyPr/>
+                    <a:lstStyle/>
+                    <a:p>
+                      <a:pPr algn="ctr"/>
+                      <a:r>
+                        <a:rPr lang="de-DE" sz="1100" dirty="0"/>
+                        <a:t>10</a:t>
+                      </a:r>
+                    </a:p>
+                  </a:txBody>
+                  <a:tcPr anchor="ctr"/>
+                </a:tc>
+                <a:tc>
+                  <a:txBody>
+                    <a:bodyPr/>
+                    <a:lstStyle/>
+                    <a:p>
+                      <a:pPr algn="ctr"/>
+                      <a:endParaRPr lang="de-DE" sz="1100"/>
+                    </a:p>
+                  </a:txBody>
+                  <a:tcPr anchor="ctr"/>
+                </a:tc>
+                <a:extLst>
+                  <a:ext uri="{0D108BD9-81ED-4DB2-BD59-A6C34878D82A}">
+                    <a16:rowId xmlns:a16="http://schemas.microsoft.com/office/drawing/2014/main" val="3069479283"/>
+                  </a:ext>
+                </a:extLst>
+              </a:tr>
+              <a:tr h="346975">
+                <a:tc>
+                  <a:txBody>
+                    <a:bodyPr/>
+                    <a:lstStyle/>
+                    <a:p>
+                      <a:pPr algn="ctr"/>
+                      <a:r>
+                        <a:rPr lang="de-DE" sz="1100" dirty="0"/>
+                        <a:t>Szenario 2</a:t>
+                      </a:r>
+                    </a:p>
+                  </a:txBody>
+                  <a:tcPr anchor="ctr"/>
+                </a:tc>
+                <a:tc>
+                  <a:txBody>
+                    <a:bodyPr/>
+                    <a:lstStyle/>
+                    <a:p>
+                      <a:pPr algn="ctr"/>
+                      <a:r>
+                        <a:rPr lang="de-DE" sz="1100" dirty="0"/>
+                        <a:t>0</a:t>
+                      </a:r>
+                    </a:p>
+                  </a:txBody>
+                  <a:tcPr anchor="ctr"/>
+                </a:tc>
+                <a:tc>
+                  <a:txBody>
+                    <a:bodyPr/>
+                    <a:lstStyle/>
+                    <a:p>
+                      <a:pPr algn="ctr"/>
+                      <a:r>
+                        <a:rPr lang="de-DE" sz="1100" dirty="0"/>
+                        <a:t>1</a:t>
+                      </a:r>
+                    </a:p>
+                  </a:txBody>
+                  <a:tcPr anchor="ctr"/>
+                </a:tc>
+                <a:tc>
+                  <a:txBody>
+                    <a:bodyPr/>
+                    <a:lstStyle/>
+                    <a:p>
+                      <a:pPr algn="ctr"/>
+                      <a:r>
+                        <a:rPr lang="de-DE" sz="1100" dirty="0"/>
+                        <a:t>10</a:t>
+                      </a:r>
+                    </a:p>
+                  </a:txBody>
+                  <a:tcPr anchor="ctr"/>
+                </a:tc>
+                <a:tc>
+                  <a:txBody>
+                    <a:bodyPr/>
+                    <a:lstStyle/>
+                    <a:p>
+                      <a:pPr algn="ctr"/>
+                      <a:endParaRPr lang="de-DE" sz="1100"/>
+                    </a:p>
+                  </a:txBody>
+                  <a:tcPr anchor="ctr"/>
+                </a:tc>
+                <a:extLst>
+                  <a:ext uri="{0D108BD9-81ED-4DB2-BD59-A6C34878D82A}">
+                    <a16:rowId xmlns:a16="http://schemas.microsoft.com/office/drawing/2014/main" val="4092263790"/>
+                  </a:ext>
+                </a:extLst>
+              </a:tr>
+              <a:tr h="346975">
+                <a:tc>
+                  <a:txBody>
+                    <a:bodyPr/>
+                    <a:lstStyle/>
+                    <a:p>
+                      <a:pPr algn="ctr"/>
+                      <a:r>
+                        <a:rPr lang="de-DE" sz="1100" dirty="0"/>
+                        <a:t>Baseline</a:t>
+                      </a:r>
+                    </a:p>
+                  </a:txBody>
+                  <a:tcPr anchor="ctr"/>
+                </a:tc>
+                <a:tc>
+                  <a:txBody>
+                    <a:bodyPr/>
+                    <a:lstStyle/>
+                    <a:p>
+                      <a:pPr algn="ctr"/>
+                      <a:r>
+                        <a:rPr lang="de-DE" sz="1100" dirty="0"/>
+                        <a:t>0</a:t>
+                      </a:r>
+                    </a:p>
+                  </a:txBody>
+                  <a:tcPr anchor="ctr"/>
+                </a:tc>
+                <a:tc>
+                  <a:txBody>
+                    <a:bodyPr/>
+                    <a:lstStyle/>
+                    <a:p>
+                      <a:pPr algn="ctr"/>
+                      <a:r>
+                        <a:rPr lang="de-DE" sz="1100" dirty="0"/>
+                        <a:t>0</a:t>
+                      </a:r>
+                    </a:p>
+                  </a:txBody>
+                  <a:tcPr anchor="ctr"/>
+                </a:tc>
+                <a:tc>
+                  <a:txBody>
+                    <a:bodyPr/>
+                    <a:lstStyle/>
+                    <a:p>
+                      <a:pPr algn="ctr"/>
+                      <a:r>
+                        <a:rPr lang="de-DE" sz="1100" dirty="0"/>
+                        <a:t>20</a:t>
+                      </a:r>
+                    </a:p>
+                  </a:txBody>
+                  <a:tcPr anchor="ctr"/>
+                </a:tc>
+                <a:tc>
+                  <a:txBody>
+                    <a:bodyPr/>
+                    <a:lstStyle/>
+                    <a:p>
+                      <a:pPr algn="ctr"/>
+                      <a:endParaRPr lang="de-DE" sz="1100" dirty="0"/>
+                    </a:p>
+                  </a:txBody>
+                  <a:tcPr anchor="ctr"/>
+                </a:tc>
+                <a:extLst>
+                  <a:ext uri="{0D108BD9-81ED-4DB2-BD59-A6C34878D82A}">
+                    <a16:rowId xmlns:a16="http://schemas.microsoft.com/office/drawing/2014/main" val="428679046"/>
+                  </a:ext>
+                </a:extLst>
+              </a:tr>
+            </a:tbl>
+          </a:graphicData>
+        </a:graphic>
+      </p:graphicFrame>
+    </p:spTree>
+    <p:extLst>
+      <p:ext uri="{BB962C8B-B14F-4D97-AF65-F5344CB8AC3E}">
+        <p14:creationId xmlns:p14="http://schemas.microsoft.com/office/powerpoint/2010/main" val="3250449318"/>
       </p:ext>
     </p:extLst>
   </p:cSld>

--- a/Flussdiagramm.pptx
+++ b/Flussdiagramm.pptx
@@ -244,7 +244,7 @@
           <a:p>
             <a:fld id="{60410085-94CB-479C-9EE7-DAEBC3DA6A28}" type="datetimeFigureOut">
               <a:rPr lang="de-DE" smtClean="0"/>
-              <a:t>13.07.2021</a:t>
+              <a:t>15.08.2021</a:t>
             </a:fld>
             <a:endParaRPr lang="de-DE"/>
           </a:p>
@@ -414,7 +414,7 @@
           <a:p>
             <a:fld id="{60410085-94CB-479C-9EE7-DAEBC3DA6A28}" type="datetimeFigureOut">
               <a:rPr lang="de-DE" smtClean="0"/>
-              <a:t>13.07.2021</a:t>
+              <a:t>15.08.2021</a:t>
             </a:fld>
             <a:endParaRPr lang="de-DE"/>
           </a:p>
@@ -594,7 +594,7 @@
           <a:p>
             <a:fld id="{60410085-94CB-479C-9EE7-DAEBC3DA6A28}" type="datetimeFigureOut">
               <a:rPr lang="de-DE" smtClean="0"/>
-              <a:t>13.07.2021</a:t>
+              <a:t>15.08.2021</a:t>
             </a:fld>
             <a:endParaRPr lang="de-DE"/>
           </a:p>
@@ -764,7 +764,7 @@
           <a:p>
             <a:fld id="{60410085-94CB-479C-9EE7-DAEBC3DA6A28}" type="datetimeFigureOut">
               <a:rPr lang="de-DE" smtClean="0"/>
-              <a:t>13.07.2021</a:t>
+              <a:t>15.08.2021</a:t>
             </a:fld>
             <a:endParaRPr lang="de-DE"/>
           </a:p>
@@ -1008,7 +1008,7 @@
           <a:p>
             <a:fld id="{60410085-94CB-479C-9EE7-DAEBC3DA6A28}" type="datetimeFigureOut">
               <a:rPr lang="de-DE" smtClean="0"/>
-              <a:t>13.07.2021</a:t>
+              <a:t>15.08.2021</a:t>
             </a:fld>
             <a:endParaRPr lang="de-DE"/>
           </a:p>
@@ -1240,7 +1240,7 @@
           <a:p>
             <a:fld id="{60410085-94CB-479C-9EE7-DAEBC3DA6A28}" type="datetimeFigureOut">
               <a:rPr lang="de-DE" smtClean="0"/>
-              <a:t>13.07.2021</a:t>
+              <a:t>15.08.2021</a:t>
             </a:fld>
             <a:endParaRPr lang="de-DE"/>
           </a:p>
@@ -1607,7 +1607,7 @@
           <a:p>
             <a:fld id="{60410085-94CB-479C-9EE7-DAEBC3DA6A28}" type="datetimeFigureOut">
               <a:rPr lang="de-DE" smtClean="0"/>
-              <a:t>13.07.2021</a:t>
+              <a:t>15.08.2021</a:t>
             </a:fld>
             <a:endParaRPr lang="de-DE"/>
           </a:p>
@@ -1725,7 +1725,7 @@
           <a:p>
             <a:fld id="{60410085-94CB-479C-9EE7-DAEBC3DA6A28}" type="datetimeFigureOut">
               <a:rPr lang="de-DE" smtClean="0"/>
-              <a:t>13.07.2021</a:t>
+              <a:t>15.08.2021</a:t>
             </a:fld>
             <a:endParaRPr lang="de-DE"/>
           </a:p>
@@ -1820,7 +1820,7 @@
           <a:p>
             <a:fld id="{60410085-94CB-479C-9EE7-DAEBC3DA6A28}" type="datetimeFigureOut">
               <a:rPr lang="de-DE" smtClean="0"/>
-              <a:t>13.07.2021</a:t>
+              <a:t>15.08.2021</a:t>
             </a:fld>
             <a:endParaRPr lang="de-DE"/>
           </a:p>
@@ -2097,7 +2097,7 @@
           <a:p>
             <a:fld id="{60410085-94CB-479C-9EE7-DAEBC3DA6A28}" type="datetimeFigureOut">
               <a:rPr lang="de-DE" smtClean="0"/>
-              <a:t>13.07.2021</a:t>
+              <a:t>15.08.2021</a:t>
             </a:fld>
             <a:endParaRPr lang="de-DE"/>
           </a:p>
@@ -2354,7 +2354,7 @@
           <a:p>
             <a:fld id="{60410085-94CB-479C-9EE7-DAEBC3DA6A28}" type="datetimeFigureOut">
               <a:rPr lang="de-DE" smtClean="0"/>
-              <a:t>13.07.2021</a:t>
+              <a:t>15.08.2021</a:t>
             </a:fld>
             <a:endParaRPr lang="de-DE"/>
           </a:p>
@@ -2567,7 +2567,7 @@
           <a:p>
             <a:fld id="{60410085-94CB-479C-9EE7-DAEBC3DA6A28}" type="datetimeFigureOut">
               <a:rPr lang="de-DE" smtClean="0"/>
-              <a:t>13.07.2021</a:t>
+              <a:t>15.08.2021</a:t>
             </a:fld>
             <a:endParaRPr lang="de-DE"/>
           </a:p>
@@ -3033,7 +3033,7 @@
         </p:nvSpPr>
         <p:spPr>
           <a:xfrm>
-            <a:off x="748190" y="1259840"/>
+            <a:off x="748187" y="1117770"/>
             <a:ext cx="914400" cy="492760"/>
           </a:xfrm>
           <a:prstGeom prst="flowChartProcess">
@@ -3080,7 +3080,7 @@
         </p:nvSpPr>
         <p:spPr>
           <a:xfrm>
-            <a:off x="4644230" y="2424682"/>
+            <a:off x="3752057" y="2057943"/>
             <a:ext cx="1008380" cy="492760"/>
           </a:xfrm>
           <a:prstGeom prst="flowChartAlternateProcess">
@@ -3127,8 +3127,8 @@
         </p:nvSpPr>
         <p:spPr>
           <a:xfrm>
-            <a:off x="724693" y="2735579"/>
-            <a:ext cx="961390" cy="924560"/>
+            <a:off x="850556" y="2319165"/>
+            <a:ext cx="709643" cy="707351"/>
           </a:xfrm>
           <a:prstGeom prst="flowChartConnector">
             <a:avLst/>
@@ -3174,8 +3174,8 @@
         </p:nvSpPr>
         <p:spPr>
           <a:xfrm>
-            <a:off x="724693" y="3903978"/>
-            <a:ext cx="961390" cy="924560"/>
+            <a:off x="850576" y="3133342"/>
+            <a:ext cx="709644" cy="710269"/>
           </a:xfrm>
           <a:prstGeom prst="flowChartConnector">
             <a:avLst/>
@@ -3228,7 +3228,7 @@
         </p:nvSpPr>
         <p:spPr>
           <a:xfrm>
-            <a:off x="3800316" y="517144"/>
+            <a:off x="2997676" y="520701"/>
             <a:ext cx="1008380" cy="492760"/>
           </a:xfrm>
           <a:prstGeom prst="flowChartAlternateProcess">
@@ -3275,8 +3275,8 @@
         </p:nvSpPr>
         <p:spPr>
           <a:xfrm>
-            <a:off x="3122455" y="1253745"/>
-            <a:ext cx="914400" cy="924560"/>
+            <a:off x="2442364" y="1241047"/>
+            <a:ext cx="699664" cy="695274"/>
           </a:xfrm>
           <a:prstGeom prst="flowChartConnector">
             <a:avLst/>
@@ -3326,14 +3326,14 @@
         </p:nvCxnSpPr>
         <p:spPr>
           <a:xfrm rot="5400000" flipH="1" flipV="1">
-            <a:off x="599250" y="1123282"/>
-            <a:ext cx="4311394" cy="3099118"/>
+            <a:off x="692177" y="1033922"/>
+            <a:ext cx="3322910" cy="2296468"/>
           </a:xfrm>
           <a:prstGeom prst="bentConnector5">
             <a:avLst>
-              <a:gd name="adj1" fmla="val -5302"/>
-              <a:gd name="adj2" fmla="val 38803"/>
-              <a:gd name="adj3" fmla="val 105302"/>
+              <a:gd name="adj1" fmla="val -6880"/>
+              <a:gd name="adj2" fmla="val 34028"/>
+              <a:gd name="adj3" fmla="val 106880"/>
             </a:avLst>
           </a:prstGeom>
           <a:ln>
@@ -3369,8 +3369,8 @@
         </p:nvSpPr>
         <p:spPr>
           <a:xfrm>
-            <a:off x="4691220" y="1253745"/>
-            <a:ext cx="914400" cy="924560"/>
+            <a:off x="3868226" y="1233172"/>
+            <a:ext cx="776040" cy="711023"/>
           </a:xfrm>
           <a:prstGeom prst="flowChartConnector">
             <a:avLst/>
@@ -3423,7 +3423,7 @@
         </p:nvSpPr>
         <p:spPr>
           <a:xfrm>
-            <a:off x="701200" y="1998980"/>
+            <a:off x="701200" y="1719579"/>
             <a:ext cx="1008380" cy="492760"/>
           </a:xfrm>
           <a:prstGeom prst="flowChartAlternateProcess">
@@ -3470,7 +3470,7 @@
         </p:nvSpPr>
         <p:spPr>
           <a:xfrm>
-            <a:off x="3075465" y="2424682"/>
+            <a:off x="2288006" y="2043568"/>
             <a:ext cx="1008380" cy="492760"/>
           </a:xfrm>
           <a:prstGeom prst="flowChartAlternateProcess">
@@ -3520,9 +3520,9 @@
           <p:nvPr/>
         </p:nvCxnSpPr>
         <p:spPr>
-          <a:xfrm>
-            <a:off x="1205390" y="1013460"/>
-            <a:ext cx="0" cy="246380"/>
+          <a:xfrm flipH="1">
+            <a:off x="1205387" y="1013460"/>
+            <a:ext cx="3" cy="104310"/>
           </a:xfrm>
           <a:prstGeom prst="straightConnector1">
             <a:avLst/>
@@ -3564,8 +3564,8 @@
         </p:nvCxnSpPr>
         <p:spPr>
           <a:xfrm>
-            <a:off x="1205390" y="1752600"/>
-            <a:ext cx="0" cy="246380"/>
+            <a:off x="1205387" y="1610530"/>
+            <a:ext cx="3" cy="109049"/>
           </a:xfrm>
           <a:prstGeom prst="straightConnector1">
             <a:avLst/>
@@ -3607,8 +3607,8 @@
         </p:nvCxnSpPr>
         <p:spPr>
           <a:xfrm flipH="1">
-            <a:off x="1205388" y="2491740"/>
-            <a:ext cx="2" cy="243839"/>
+            <a:off x="1205378" y="2212339"/>
+            <a:ext cx="12" cy="106826"/>
           </a:xfrm>
           <a:prstGeom prst="straightConnector1">
             <a:avLst/>
@@ -3650,8 +3650,8 @@
         </p:nvCxnSpPr>
         <p:spPr>
           <a:xfrm>
-            <a:off x="1205388" y="3660139"/>
-            <a:ext cx="0" cy="243839"/>
+            <a:off x="1205378" y="3026516"/>
+            <a:ext cx="20" cy="106826"/>
           </a:xfrm>
           <a:prstGeom prst="straightConnector1">
             <a:avLst/>
@@ -3693,8 +3693,8 @@
         </p:nvCxnSpPr>
         <p:spPr>
           <a:xfrm rot="16200000" flipH="1">
-            <a:off x="4604543" y="709867"/>
-            <a:ext cx="243841" cy="843914"/>
+            <a:off x="3769201" y="746126"/>
+            <a:ext cx="219711" cy="754380"/>
           </a:xfrm>
           <a:prstGeom prst="bentConnector3">
             <a:avLst/>
@@ -3736,8 +3736,8 @@
         </p:nvCxnSpPr>
         <p:spPr>
           <a:xfrm rot="5400000">
-            <a:off x="3820161" y="769399"/>
-            <a:ext cx="243841" cy="724851"/>
+            <a:off x="3033238" y="772419"/>
+            <a:ext cx="227586" cy="709670"/>
           </a:xfrm>
           <a:prstGeom prst="bentConnector3">
             <a:avLst/>
@@ -3779,8 +3779,8 @@
         </p:nvCxnSpPr>
         <p:spPr>
           <a:xfrm>
-            <a:off x="3579655" y="2178305"/>
-            <a:ext cx="0" cy="246377"/>
+            <a:off x="2792196" y="1936321"/>
+            <a:ext cx="0" cy="107247"/>
           </a:xfrm>
           <a:prstGeom prst="straightConnector1">
             <a:avLst/>
@@ -3822,8 +3822,8 @@
         </p:nvCxnSpPr>
         <p:spPr>
           <a:xfrm>
-            <a:off x="5148420" y="2178305"/>
-            <a:ext cx="0" cy="246377"/>
+            <a:off x="4256246" y="1944195"/>
+            <a:ext cx="1" cy="113748"/>
           </a:xfrm>
           <a:prstGeom prst="straightConnector1">
             <a:avLst/>
@@ -3861,8 +3861,8 @@
         </p:nvSpPr>
         <p:spPr>
           <a:xfrm>
-            <a:off x="4667725" y="3168902"/>
-            <a:ext cx="961390" cy="924560"/>
+            <a:off x="3901411" y="2659133"/>
+            <a:ext cx="709671" cy="710269"/>
           </a:xfrm>
           <a:prstGeom prst="flowChartConnector">
             <a:avLst/>
@@ -3908,8 +3908,8 @@
         </p:nvSpPr>
         <p:spPr>
           <a:xfrm>
-            <a:off x="3098960" y="3168902"/>
-            <a:ext cx="961390" cy="924560"/>
+            <a:off x="2437360" y="2643575"/>
+            <a:ext cx="709671" cy="710268"/>
           </a:xfrm>
           <a:prstGeom prst="flowChartConnector">
             <a:avLst/>
@@ -3959,8 +3959,8 @@
         </p:nvCxnSpPr>
         <p:spPr>
           <a:xfrm>
-            <a:off x="3579655" y="2917442"/>
-            <a:ext cx="0" cy="251460"/>
+            <a:off x="2792196" y="2536328"/>
+            <a:ext cx="0" cy="107247"/>
           </a:xfrm>
           <a:prstGeom prst="straightConnector1">
             <a:avLst/>
@@ -4002,8 +4002,8 @@
         </p:nvCxnSpPr>
         <p:spPr>
           <a:xfrm>
-            <a:off x="5148420" y="2917442"/>
-            <a:ext cx="0" cy="251460"/>
+            <a:off x="4256247" y="2550703"/>
+            <a:ext cx="0" cy="108430"/>
           </a:xfrm>
           <a:prstGeom prst="straightConnector1">
             <a:avLst/>
@@ -4041,8 +4041,8 @@
         </p:nvSpPr>
         <p:spPr>
           <a:xfrm>
-            <a:off x="3098960" y="4332221"/>
-            <a:ext cx="961390" cy="924560"/>
+            <a:off x="2395303" y="4059195"/>
+            <a:ext cx="791349" cy="710268"/>
           </a:xfrm>
           <a:prstGeom prst="flowChartConnector">
             <a:avLst/>
@@ -4095,8 +4095,8 @@
         </p:nvSpPr>
         <p:spPr>
           <a:xfrm>
-            <a:off x="4667725" y="4332221"/>
-            <a:ext cx="961390" cy="924560"/>
+            <a:off x="3901411" y="4079671"/>
+            <a:ext cx="709673" cy="710268"/>
           </a:xfrm>
           <a:prstGeom prst="flowChartConnector">
             <a:avLst/>
@@ -4140,14 +4140,14 @@
           <p:cNvCxnSpPr>
             <a:cxnSpLocks/>
             <a:stCxn id="49" idx="4"/>
-            <a:endCxn id="60" idx="0"/>
+            <a:endCxn id="35" idx="0"/>
           </p:cNvCxnSpPr>
           <p:nvPr/>
         </p:nvCxnSpPr>
         <p:spPr>
-          <a:xfrm>
-            <a:off x="3579655" y="4093462"/>
-            <a:ext cx="0" cy="238759"/>
+          <a:xfrm flipH="1">
+            <a:off x="2792195" y="3353843"/>
+            <a:ext cx="1" cy="102632"/>
           </a:xfrm>
           <a:prstGeom prst="straightConnector1">
             <a:avLst/>
@@ -4183,14 +4183,14 @@
           <p:cNvCxnSpPr>
             <a:cxnSpLocks/>
             <a:stCxn id="48" idx="4"/>
-            <a:endCxn id="62" idx="0"/>
+            <a:endCxn id="55" idx="0"/>
           </p:cNvCxnSpPr>
           <p:nvPr/>
         </p:nvCxnSpPr>
         <p:spPr>
           <a:xfrm>
-            <a:off x="5148420" y="4093462"/>
-            <a:ext cx="0" cy="238759"/>
+            <a:off x="4256247" y="3369402"/>
+            <a:ext cx="0" cy="110123"/>
           </a:xfrm>
           <a:prstGeom prst="straightConnector1">
             <a:avLst/>
@@ -4228,8 +4228,8 @@
         </p:nvSpPr>
         <p:spPr>
           <a:xfrm>
-            <a:off x="3823810" y="5500624"/>
-            <a:ext cx="961390" cy="924560"/>
+            <a:off x="3191738" y="5590233"/>
+            <a:ext cx="709673" cy="713334"/>
           </a:xfrm>
           <a:prstGeom prst="flowChartConnector">
             <a:avLst/>
@@ -4268,92 +4268,6 @@
           </a:p>
         </p:txBody>
       </p:sp>
-      <p:cxnSp>
-        <p:nvCxnSpPr>
-          <p:cNvPr id="73" name="Verbinder: gewinkelt 72">
-            <a:extLst>
-              <a:ext uri="{FF2B5EF4-FFF2-40B4-BE49-F238E27FC236}">
-                <a16:creationId xmlns:a16="http://schemas.microsoft.com/office/drawing/2014/main" id="{DAD0E777-7C1F-4B26-A4E6-F94B55CD6A8A}"/>
-              </a:ext>
-            </a:extLst>
-          </p:cNvPr>
-          <p:cNvCxnSpPr>
-            <a:cxnSpLocks/>
-            <a:stCxn id="60" idx="4"/>
-            <a:endCxn id="71" idx="0"/>
-          </p:cNvCxnSpPr>
-          <p:nvPr/>
-        </p:nvCxnSpPr>
-        <p:spPr>
-          <a:xfrm rot="16200000" flipH="1">
-            <a:off x="3820159" y="5016277"/>
-            <a:ext cx="243843" cy="724850"/>
-          </a:xfrm>
-          <a:prstGeom prst="bentConnector3">
-            <a:avLst/>
-          </a:prstGeom>
-          <a:ln>
-            <a:tailEnd type="triangle"/>
-          </a:ln>
-        </p:spPr>
-        <p:style>
-          <a:lnRef idx="1">
-            <a:schemeClr val="dk1"/>
-          </a:lnRef>
-          <a:fillRef idx="0">
-            <a:schemeClr val="dk1"/>
-          </a:fillRef>
-          <a:effectRef idx="0">
-            <a:schemeClr val="dk1"/>
-          </a:effectRef>
-          <a:fontRef idx="minor">
-            <a:schemeClr val="tx1"/>
-          </a:fontRef>
-        </p:style>
-      </p:cxnSp>
-      <p:cxnSp>
-        <p:nvCxnSpPr>
-          <p:cNvPr id="76" name="Verbinder: gewinkelt 75">
-            <a:extLst>
-              <a:ext uri="{FF2B5EF4-FFF2-40B4-BE49-F238E27FC236}">
-                <a16:creationId xmlns:a16="http://schemas.microsoft.com/office/drawing/2014/main" id="{928ABEE9-AA3B-425A-9971-4AC11DA7FEFD}"/>
-              </a:ext>
-            </a:extLst>
-          </p:cNvPr>
-          <p:cNvCxnSpPr>
-            <a:cxnSpLocks/>
-            <a:stCxn id="62" idx="4"/>
-            <a:endCxn id="71" idx="0"/>
-          </p:cNvCxnSpPr>
-          <p:nvPr/>
-        </p:nvCxnSpPr>
-        <p:spPr>
-          <a:xfrm rot="5400000">
-            <a:off x="4604542" y="4956745"/>
-            <a:ext cx="243843" cy="843915"/>
-          </a:xfrm>
-          <a:prstGeom prst="bentConnector3">
-            <a:avLst/>
-          </a:prstGeom>
-          <a:ln>
-            <a:tailEnd type="triangle"/>
-          </a:ln>
-        </p:spPr>
-        <p:style>
-          <a:lnRef idx="1">
-            <a:schemeClr val="dk1"/>
-          </a:lnRef>
-          <a:fillRef idx="0">
-            <a:schemeClr val="dk1"/>
-          </a:fillRef>
-          <a:effectRef idx="0">
-            <a:schemeClr val="dk1"/>
-          </a:effectRef>
-          <a:fontRef idx="minor">
-            <a:schemeClr val="tx1"/>
-          </a:fontRef>
-        </p:style>
-      </p:cxnSp>
       <p:sp>
         <p:nvSpPr>
           <p:cNvPr id="78" name="Flussdiagramm: Alternativer Prozess 77">
@@ -4368,7 +4282,7 @@
         </p:nvSpPr>
         <p:spPr>
           <a:xfrm>
-            <a:off x="3800316" y="6663943"/>
+            <a:off x="3042384" y="7010158"/>
             <a:ext cx="1008380" cy="492760"/>
           </a:xfrm>
           <a:prstGeom prst="flowChartAlternateProcess">
@@ -4413,14 +4327,554 @@
           <p:cNvCxnSpPr>
             <a:cxnSpLocks/>
             <a:stCxn id="71" idx="4"/>
+            <a:endCxn id="86" idx="0"/>
+          </p:cNvCxnSpPr>
+          <p:nvPr/>
+        </p:nvCxnSpPr>
+        <p:spPr>
+          <a:xfrm flipH="1">
+            <a:off x="3546574" y="6303567"/>
+            <a:ext cx="1" cy="106286"/>
+          </a:xfrm>
+          <a:prstGeom prst="straightConnector1">
+            <a:avLst/>
+          </a:prstGeom>
+          <a:ln>
+            <a:tailEnd type="triangle"/>
+          </a:ln>
+        </p:spPr>
+        <p:style>
+          <a:lnRef idx="1">
+            <a:schemeClr val="dk1"/>
+          </a:lnRef>
+          <a:fillRef idx="0">
+            <a:schemeClr val="dk1"/>
+          </a:fillRef>
+          <a:effectRef idx="0">
+            <a:schemeClr val="dk1"/>
+          </a:effectRef>
+          <a:fontRef idx="minor">
+            <a:schemeClr val="tx1"/>
+          </a:fontRef>
+        </p:style>
+      </p:cxnSp>
+      <p:sp>
+        <p:nvSpPr>
+          <p:cNvPr id="34" name="Flussdiagramm: Alternativer Prozess 33">
+            <a:extLst>
+              <a:ext uri="{FF2B5EF4-FFF2-40B4-BE49-F238E27FC236}">
+                <a16:creationId xmlns:a16="http://schemas.microsoft.com/office/drawing/2014/main" id="{695A992F-11D3-4B44-894B-F350326A6B62}"/>
+              </a:ext>
+            </a:extLst>
+          </p:cNvPr>
+          <p:cNvSpPr/>
+          <p:nvPr/>
+        </p:nvSpPr>
+        <p:spPr>
+          <a:xfrm>
+            <a:off x="2286788" y="4897324"/>
+            <a:ext cx="1008380" cy="492760"/>
+          </a:xfrm>
+          <a:prstGeom prst="flowChartAlternateProcess">
+            <a:avLst/>
+          </a:prstGeom>
+        </p:spPr>
+        <p:style>
+          <a:lnRef idx="2">
+            <a:schemeClr val="dk1"/>
+          </a:lnRef>
+          <a:fillRef idx="1">
+            <a:schemeClr val="lt1"/>
+          </a:fillRef>
+          <a:effectRef idx="0">
+            <a:schemeClr val="dk1"/>
+          </a:effectRef>
+          <a:fontRef idx="minor">
+            <a:schemeClr val="dk1"/>
+          </a:fontRef>
+        </p:style>
+        <p:txBody>
+          <a:bodyPr rtlCol="0" anchor="ctr"/>
+          <a:lstStyle/>
+          <a:p>
+            <a:pPr algn="ctr"/>
+            <a:r>
+              <a:rPr lang="de-DE" sz="600" dirty="0"/>
+              <a:t>Beurteilungsfragebogen</a:t>
+            </a:r>
+          </a:p>
+        </p:txBody>
+      </p:sp>
+      <p:sp>
+        <p:nvSpPr>
+          <p:cNvPr id="35" name="Flussdiagramm: Alternativer Prozess 34">
+            <a:extLst>
+              <a:ext uri="{FF2B5EF4-FFF2-40B4-BE49-F238E27FC236}">
+                <a16:creationId xmlns:a16="http://schemas.microsoft.com/office/drawing/2014/main" id="{E8003C42-6F90-44D6-A16A-298649A006DB}"/>
+              </a:ext>
+            </a:extLst>
+          </p:cNvPr>
+          <p:cNvSpPr/>
+          <p:nvPr/>
+        </p:nvSpPr>
+        <p:spPr>
+          <a:xfrm>
+            <a:off x="2288005" y="3456475"/>
+            <a:ext cx="1008380" cy="492760"/>
+          </a:xfrm>
+          <a:prstGeom prst="flowChartAlternateProcess">
+            <a:avLst/>
+          </a:prstGeom>
+        </p:spPr>
+        <p:style>
+          <a:lnRef idx="2">
+            <a:schemeClr val="dk1"/>
+          </a:lnRef>
+          <a:fillRef idx="1">
+            <a:schemeClr val="lt1"/>
+          </a:fillRef>
+          <a:effectRef idx="0">
+            <a:schemeClr val="dk1"/>
+          </a:effectRef>
+          <a:fontRef idx="minor">
+            <a:schemeClr val="dk1"/>
+          </a:fontRef>
+        </p:style>
+        <p:txBody>
+          <a:bodyPr rtlCol="0" anchor="ctr"/>
+          <a:lstStyle/>
+          <a:p>
+            <a:pPr algn="ctr"/>
+            <a:r>
+              <a:rPr lang="de-DE" sz="600" dirty="0"/>
+              <a:t>Beurteilungsfragebogen</a:t>
+            </a:r>
+          </a:p>
+        </p:txBody>
+      </p:sp>
+      <p:sp>
+        <p:nvSpPr>
+          <p:cNvPr id="55" name="Flussdiagramm: Alternativer Prozess 54">
+            <a:extLst>
+              <a:ext uri="{FF2B5EF4-FFF2-40B4-BE49-F238E27FC236}">
+                <a16:creationId xmlns:a16="http://schemas.microsoft.com/office/drawing/2014/main" id="{E1B24813-E82B-4C3B-9284-40BE14E00DF4}"/>
+              </a:ext>
+            </a:extLst>
+          </p:cNvPr>
+          <p:cNvSpPr/>
+          <p:nvPr/>
+        </p:nvSpPr>
+        <p:spPr>
+          <a:xfrm>
+            <a:off x="3752057" y="3479525"/>
+            <a:ext cx="1008380" cy="492760"/>
+          </a:xfrm>
+          <a:prstGeom prst="flowChartAlternateProcess">
+            <a:avLst/>
+          </a:prstGeom>
+        </p:spPr>
+        <p:style>
+          <a:lnRef idx="2">
+            <a:schemeClr val="dk1"/>
+          </a:lnRef>
+          <a:fillRef idx="1">
+            <a:schemeClr val="lt1"/>
+          </a:fillRef>
+          <a:effectRef idx="0">
+            <a:schemeClr val="dk1"/>
+          </a:effectRef>
+          <a:fontRef idx="minor">
+            <a:schemeClr val="dk1"/>
+          </a:fontRef>
+        </p:style>
+        <p:txBody>
+          <a:bodyPr rtlCol="0" anchor="ctr"/>
+          <a:lstStyle/>
+          <a:p>
+            <a:pPr algn="ctr"/>
+            <a:r>
+              <a:rPr lang="de-DE" sz="600" dirty="0"/>
+              <a:t>Beurteilungsfragebogen</a:t>
+            </a:r>
+          </a:p>
+        </p:txBody>
+      </p:sp>
+      <p:cxnSp>
+        <p:nvCxnSpPr>
+          <p:cNvPr id="59" name="Gerade Verbindung mit Pfeil 58">
+            <a:extLst>
+              <a:ext uri="{FF2B5EF4-FFF2-40B4-BE49-F238E27FC236}">
+                <a16:creationId xmlns:a16="http://schemas.microsoft.com/office/drawing/2014/main" id="{56FD17E3-6C1A-48FB-9085-415336603F23}"/>
+              </a:ext>
+            </a:extLst>
+          </p:cNvPr>
+          <p:cNvCxnSpPr>
+            <a:cxnSpLocks/>
+            <a:stCxn id="55" idx="2"/>
+            <a:endCxn id="62" idx="0"/>
+          </p:cNvCxnSpPr>
+          <p:nvPr/>
+        </p:nvCxnSpPr>
+        <p:spPr>
+          <a:xfrm>
+            <a:off x="4256247" y="3972285"/>
+            <a:ext cx="1" cy="107386"/>
+          </a:xfrm>
+          <a:prstGeom prst="straightConnector1">
+            <a:avLst/>
+          </a:prstGeom>
+          <a:ln>
+            <a:tailEnd type="triangle"/>
+          </a:ln>
+        </p:spPr>
+        <p:style>
+          <a:lnRef idx="1">
+            <a:schemeClr val="dk1"/>
+          </a:lnRef>
+          <a:fillRef idx="0">
+            <a:schemeClr val="dk1"/>
+          </a:fillRef>
+          <a:effectRef idx="0">
+            <a:schemeClr val="dk1"/>
+          </a:effectRef>
+          <a:fontRef idx="minor">
+            <a:schemeClr val="tx1"/>
+          </a:fontRef>
+        </p:style>
+      </p:cxnSp>
+      <p:sp>
+        <p:nvSpPr>
+          <p:cNvPr id="63" name="Flussdiagramm: Alternativer Prozess 62">
+            <a:extLst>
+              <a:ext uri="{FF2B5EF4-FFF2-40B4-BE49-F238E27FC236}">
+                <a16:creationId xmlns:a16="http://schemas.microsoft.com/office/drawing/2014/main" id="{82274C0D-97DB-40E4-911A-F833027FC09D}"/>
+              </a:ext>
+            </a:extLst>
+          </p:cNvPr>
+          <p:cNvSpPr/>
+          <p:nvPr/>
+        </p:nvSpPr>
+        <p:spPr>
+          <a:xfrm>
+            <a:off x="3752057" y="4897325"/>
+            <a:ext cx="1008380" cy="492760"/>
+          </a:xfrm>
+          <a:prstGeom prst="flowChartAlternateProcess">
+            <a:avLst/>
+          </a:prstGeom>
+        </p:spPr>
+        <p:style>
+          <a:lnRef idx="2">
+            <a:schemeClr val="dk1"/>
+          </a:lnRef>
+          <a:fillRef idx="1">
+            <a:schemeClr val="lt1"/>
+          </a:fillRef>
+          <a:effectRef idx="0">
+            <a:schemeClr val="dk1"/>
+          </a:effectRef>
+          <a:fontRef idx="minor">
+            <a:schemeClr val="dk1"/>
+          </a:fontRef>
+        </p:style>
+        <p:txBody>
+          <a:bodyPr rtlCol="0" anchor="ctr"/>
+          <a:lstStyle/>
+          <a:p>
+            <a:pPr algn="ctr"/>
+            <a:r>
+              <a:rPr lang="de-DE" sz="600" dirty="0"/>
+              <a:t>Beurteilungsfragebogen</a:t>
+            </a:r>
+          </a:p>
+        </p:txBody>
+      </p:sp>
+      <p:cxnSp>
+        <p:nvCxnSpPr>
+          <p:cNvPr id="65" name="Gerade Verbindung mit Pfeil 64">
+            <a:extLst>
+              <a:ext uri="{FF2B5EF4-FFF2-40B4-BE49-F238E27FC236}">
+                <a16:creationId xmlns:a16="http://schemas.microsoft.com/office/drawing/2014/main" id="{EA1742D6-1810-41CF-AFA0-6AA2EC033E79}"/>
+              </a:ext>
+            </a:extLst>
+          </p:cNvPr>
+          <p:cNvCxnSpPr>
+            <a:cxnSpLocks/>
+            <a:stCxn id="35" idx="2"/>
+            <a:endCxn id="60" idx="0"/>
+          </p:cNvCxnSpPr>
+          <p:nvPr/>
+        </p:nvCxnSpPr>
+        <p:spPr>
+          <a:xfrm flipH="1">
+            <a:off x="2790978" y="3949235"/>
+            <a:ext cx="1217" cy="109960"/>
+          </a:xfrm>
+          <a:prstGeom prst="straightConnector1">
+            <a:avLst/>
+          </a:prstGeom>
+          <a:ln>
+            <a:tailEnd type="triangle"/>
+          </a:ln>
+        </p:spPr>
+        <p:style>
+          <a:lnRef idx="1">
+            <a:schemeClr val="dk1"/>
+          </a:lnRef>
+          <a:fillRef idx="0">
+            <a:schemeClr val="dk1"/>
+          </a:fillRef>
+          <a:effectRef idx="0">
+            <a:schemeClr val="dk1"/>
+          </a:effectRef>
+          <a:fontRef idx="minor">
+            <a:schemeClr val="tx1"/>
+          </a:fontRef>
+        </p:style>
+      </p:cxnSp>
+      <p:cxnSp>
+        <p:nvCxnSpPr>
+          <p:cNvPr id="67" name="Gerade Verbindung mit Pfeil 66">
+            <a:extLst>
+              <a:ext uri="{FF2B5EF4-FFF2-40B4-BE49-F238E27FC236}">
+                <a16:creationId xmlns:a16="http://schemas.microsoft.com/office/drawing/2014/main" id="{811A9154-13CA-47EC-8EF4-C234CEFA29D9}"/>
+              </a:ext>
+            </a:extLst>
+          </p:cNvPr>
+          <p:cNvCxnSpPr>
+            <a:cxnSpLocks/>
+            <a:stCxn id="60" idx="4"/>
+            <a:endCxn id="34" idx="0"/>
+          </p:cNvCxnSpPr>
+          <p:nvPr/>
+        </p:nvCxnSpPr>
+        <p:spPr>
+          <a:xfrm>
+            <a:off x="2790978" y="4769463"/>
+            <a:ext cx="0" cy="127861"/>
+          </a:xfrm>
+          <a:prstGeom prst="straightConnector1">
+            <a:avLst/>
+          </a:prstGeom>
+          <a:ln>
+            <a:tailEnd type="triangle"/>
+          </a:ln>
+        </p:spPr>
+        <p:style>
+          <a:lnRef idx="1">
+            <a:schemeClr val="dk1"/>
+          </a:lnRef>
+          <a:fillRef idx="0">
+            <a:schemeClr val="dk1"/>
+          </a:fillRef>
+          <a:effectRef idx="0">
+            <a:schemeClr val="dk1"/>
+          </a:effectRef>
+          <a:fontRef idx="minor">
+            <a:schemeClr val="tx1"/>
+          </a:fontRef>
+        </p:style>
+      </p:cxnSp>
+      <p:cxnSp>
+        <p:nvCxnSpPr>
+          <p:cNvPr id="70" name="Gerade Verbindung mit Pfeil 69">
+            <a:extLst>
+              <a:ext uri="{FF2B5EF4-FFF2-40B4-BE49-F238E27FC236}">
+                <a16:creationId xmlns:a16="http://schemas.microsoft.com/office/drawing/2014/main" id="{DF667400-0B3D-49F1-8C5D-AF8907800E69}"/>
+              </a:ext>
+            </a:extLst>
+          </p:cNvPr>
+          <p:cNvCxnSpPr>
+            <a:cxnSpLocks/>
+            <a:stCxn id="62" idx="4"/>
+            <a:endCxn id="63" idx="0"/>
+          </p:cNvCxnSpPr>
+          <p:nvPr/>
+        </p:nvCxnSpPr>
+        <p:spPr>
+          <a:xfrm flipH="1">
+            <a:off x="4256247" y="4789939"/>
+            <a:ext cx="1" cy="107386"/>
+          </a:xfrm>
+          <a:prstGeom prst="straightConnector1">
+            <a:avLst/>
+          </a:prstGeom>
+          <a:ln>
+            <a:tailEnd type="triangle"/>
+          </a:ln>
+        </p:spPr>
+        <p:style>
+          <a:lnRef idx="1">
+            <a:schemeClr val="dk1"/>
+          </a:lnRef>
+          <a:fillRef idx="0">
+            <a:schemeClr val="dk1"/>
+          </a:fillRef>
+          <a:effectRef idx="0">
+            <a:schemeClr val="dk1"/>
+          </a:effectRef>
+          <a:fontRef idx="minor">
+            <a:schemeClr val="tx1"/>
+          </a:fontRef>
+        </p:style>
+      </p:cxnSp>
+      <p:cxnSp>
+        <p:nvCxnSpPr>
+          <p:cNvPr id="77" name="Verbinder: gewinkelt 76">
+            <a:extLst>
+              <a:ext uri="{FF2B5EF4-FFF2-40B4-BE49-F238E27FC236}">
+                <a16:creationId xmlns:a16="http://schemas.microsoft.com/office/drawing/2014/main" id="{28AB3180-D7DE-4EDE-A450-5E21061AA7CE}"/>
+              </a:ext>
+            </a:extLst>
+          </p:cNvPr>
+          <p:cNvCxnSpPr>
+            <a:cxnSpLocks/>
+            <a:stCxn id="34" idx="2"/>
+            <a:endCxn id="71" idx="0"/>
+          </p:cNvCxnSpPr>
+          <p:nvPr/>
+        </p:nvCxnSpPr>
+        <p:spPr>
+          <a:xfrm rot="16200000" flipH="1">
+            <a:off x="3068702" y="5112359"/>
+            <a:ext cx="200149" cy="755597"/>
+          </a:xfrm>
+          <a:prstGeom prst="bentConnector3">
+            <a:avLst>
+              <a:gd name="adj1" fmla="val 50000"/>
+            </a:avLst>
+          </a:prstGeom>
+          <a:ln>
+            <a:tailEnd type="triangle"/>
+          </a:ln>
+        </p:spPr>
+        <p:style>
+          <a:lnRef idx="1">
+            <a:schemeClr val="dk1"/>
+          </a:lnRef>
+          <a:fillRef idx="0">
+            <a:schemeClr val="dk1"/>
+          </a:fillRef>
+          <a:effectRef idx="0">
+            <a:schemeClr val="dk1"/>
+          </a:effectRef>
+          <a:fontRef idx="minor">
+            <a:schemeClr val="tx1"/>
+          </a:fontRef>
+        </p:style>
+      </p:cxnSp>
+      <p:cxnSp>
+        <p:nvCxnSpPr>
+          <p:cNvPr id="81" name="Verbinder: gewinkelt 80">
+            <a:extLst>
+              <a:ext uri="{FF2B5EF4-FFF2-40B4-BE49-F238E27FC236}">
+                <a16:creationId xmlns:a16="http://schemas.microsoft.com/office/drawing/2014/main" id="{BC351155-FFF9-4619-BB59-719C89E70713}"/>
+              </a:ext>
+            </a:extLst>
+          </p:cNvPr>
+          <p:cNvCxnSpPr>
+            <a:cxnSpLocks/>
+            <a:stCxn id="63" idx="2"/>
+            <a:endCxn id="71" idx="0"/>
+          </p:cNvCxnSpPr>
+          <p:nvPr/>
+        </p:nvCxnSpPr>
+        <p:spPr>
+          <a:xfrm rot="5400000">
+            <a:off x="3801337" y="5135323"/>
+            <a:ext cx="200148" cy="709672"/>
+          </a:xfrm>
+          <a:prstGeom prst="bentConnector3">
+            <a:avLst>
+              <a:gd name="adj1" fmla="val 50000"/>
+            </a:avLst>
+          </a:prstGeom>
+          <a:ln>
+            <a:tailEnd type="triangle"/>
+          </a:ln>
+        </p:spPr>
+        <p:style>
+          <a:lnRef idx="1">
+            <a:schemeClr val="dk1"/>
+          </a:lnRef>
+          <a:fillRef idx="0">
+            <a:schemeClr val="dk1"/>
+          </a:fillRef>
+          <a:effectRef idx="0">
+            <a:schemeClr val="dk1"/>
+          </a:effectRef>
+          <a:fontRef idx="minor">
+            <a:schemeClr val="tx1"/>
+          </a:fontRef>
+        </p:style>
+      </p:cxnSp>
+      <p:sp>
+        <p:nvSpPr>
+          <p:cNvPr id="86" name="Flussdiagramm: Alternativer Prozess 85">
+            <a:extLst>
+              <a:ext uri="{FF2B5EF4-FFF2-40B4-BE49-F238E27FC236}">
+                <a16:creationId xmlns:a16="http://schemas.microsoft.com/office/drawing/2014/main" id="{EF51CE9A-A98E-4AAA-BFE3-B9A2B6427F87}"/>
+              </a:ext>
+            </a:extLst>
+          </p:cNvPr>
+          <p:cNvSpPr/>
+          <p:nvPr/>
+        </p:nvSpPr>
+        <p:spPr>
+          <a:xfrm>
+            <a:off x="3042384" y="6409853"/>
+            <a:ext cx="1008380" cy="492760"/>
+          </a:xfrm>
+          <a:prstGeom prst="flowChartAlternateProcess">
+            <a:avLst/>
+          </a:prstGeom>
+        </p:spPr>
+        <p:style>
+          <a:lnRef idx="2">
+            <a:schemeClr val="dk1"/>
+          </a:lnRef>
+          <a:fillRef idx="1">
+            <a:schemeClr val="lt1"/>
+          </a:fillRef>
+          <a:effectRef idx="0">
+            <a:schemeClr val="dk1"/>
+          </a:effectRef>
+          <a:fontRef idx="minor">
+            <a:schemeClr val="dk1"/>
+          </a:fontRef>
+        </p:style>
+        <p:txBody>
+          <a:bodyPr rtlCol="0" anchor="ctr"/>
+          <a:lstStyle/>
+          <a:p>
+            <a:pPr algn="ctr"/>
+            <a:r>
+              <a:rPr lang="de-DE" sz="600" dirty="0"/>
+              <a:t>Beurteilungsfragebogen</a:t>
+            </a:r>
+          </a:p>
+        </p:txBody>
+      </p:sp>
+      <p:cxnSp>
+        <p:nvCxnSpPr>
+          <p:cNvPr id="94" name="Gerade Verbindung mit Pfeil 93">
+            <a:extLst>
+              <a:ext uri="{FF2B5EF4-FFF2-40B4-BE49-F238E27FC236}">
+                <a16:creationId xmlns:a16="http://schemas.microsoft.com/office/drawing/2014/main" id="{0CD73A35-7E0C-4BD3-8971-FE295F39C5E2}"/>
+              </a:ext>
+            </a:extLst>
+          </p:cNvPr>
+          <p:cNvCxnSpPr>
+            <a:cxnSpLocks/>
+            <a:stCxn id="86" idx="2"/>
             <a:endCxn id="78" idx="0"/>
           </p:cNvCxnSpPr>
           <p:nvPr/>
         </p:nvCxnSpPr>
         <p:spPr>
           <a:xfrm>
-            <a:off x="4304505" y="6425184"/>
-            <a:ext cx="1" cy="238759"/>
+            <a:off x="3546574" y="6902613"/>
+            <a:ext cx="0" cy="107545"/>
           </a:xfrm>
           <a:prstGeom prst="straightConnector1">
             <a:avLst/>
